--- a/Pointer in C, C++.pptx
+++ b/Pointer in C, C++.pptx
@@ -5,13 +5,22 @@
     <p:sldMasterId id="2147483661" r:id="rId1"/>
   </p:sldMasterIdLst>
   <p:notesMasterIdLst>
-    <p:notesMasterId r:id="rId6"/>
+    <p:notesMasterId r:id="rId15"/>
   </p:notesMasterIdLst>
   <p:sldIdLst>
     <p:sldId id="256" r:id="rId2"/>
     <p:sldId id="257" r:id="rId3"/>
     <p:sldId id="258" r:id="rId4"/>
     <p:sldId id="259" r:id="rId5"/>
+    <p:sldId id="260" r:id="rId6"/>
+    <p:sldId id="261" r:id="rId7"/>
+    <p:sldId id="262" r:id="rId8"/>
+    <p:sldId id="263" r:id="rId9"/>
+    <p:sldId id="264" r:id="rId10"/>
+    <p:sldId id="265" r:id="rId11"/>
+    <p:sldId id="266" r:id="rId12"/>
+    <p:sldId id="267" r:id="rId13"/>
+    <p:sldId id="268" r:id="rId14"/>
   </p:sldIdLst>
   <p:sldSz cx="9144000" cy="6858000" type="screen4x3"/>
   <p:notesSz cx="6858000" cy="9144000"/>
@@ -110,6 +119,11 @@
       </a:defRPr>
     </a:lvl9pPr>
   </p:defaultTextStyle>
+  <p:extLst>
+    <p:ext uri="{EFAFB233-063F-42B5-8137-9DF3F51BA10A}">
+      <p15:sldGuideLst xmlns:p15="http://schemas.microsoft.com/office/powerpoint/2012/main"/>
+    </p:ext>
+  </p:extLst>
 </p:presentation>
 </file>
 
@@ -195,7 +209,7 @@
           <a:p>
             <a:fld id="{7A0B598A-40CF-43AC-95B4-7C36DB98F2B4}" type="datetimeFigureOut">
               <a:rPr lang="en-US" smtClean="0"/>
-              <a:t>9/3/2015</a:t>
+              <a:t>9/6/2015</a:t>
             </a:fld>
             <a:endParaRPr lang="en-US"/>
           </a:p>
@@ -845,6 +859,672 @@
 </p:notes>
 </file>
 
+<file path=ppt/notesSlides/notesSlide2.xml><?xml version="1.0" encoding="utf-8"?>
+<p:notes xmlns:a="http://schemas.openxmlformats.org/drawingml/2006/main" xmlns:r="http://schemas.openxmlformats.org/officeDocument/2006/relationships" xmlns:p="http://schemas.openxmlformats.org/presentationml/2006/main">
+  <p:cSld>
+    <p:spTree>
+      <p:nvGrpSpPr>
+        <p:cNvPr id="1" name=""/>
+        <p:cNvGrpSpPr/>
+        <p:nvPr/>
+      </p:nvGrpSpPr>
+      <p:grpSpPr>
+        <a:xfrm>
+          <a:off x="0" y="0"/>
+          <a:ext cx="0" cy="0"/>
+          <a:chOff x="0" y="0"/>
+          <a:chExt cx="0" cy="0"/>
+        </a:xfrm>
+      </p:grpSpPr>
+      <p:sp>
+        <p:nvSpPr>
+          <p:cNvPr id="2" name="Slide Image Placeholder 1"/>
+          <p:cNvSpPr>
+            <a:spLocks noGrp="1" noRot="1" noChangeAspect="1"/>
+          </p:cNvSpPr>
+          <p:nvPr>
+            <p:ph type="sldImg"/>
+          </p:nvPr>
+        </p:nvSpPr>
+        <p:spPr/>
+      </p:sp>
+      <p:sp>
+        <p:nvSpPr>
+          <p:cNvPr id="3" name="Notes Placeholder 2"/>
+          <p:cNvSpPr>
+            <a:spLocks noGrp="1"/>
+          </p:cNvSpPr>
+          <p:nvPr>
+            <p:ph type="body" idx="1"/>
+          </p:nvPr>
+        </p:nvSpPr>
+        <p:spPr/>
+        <p:txBody>
+          <a:bodyPr/>
+          <a:lstStyle/>
+          <a:p>
+            <a:pPr marL="0" marR="0" indent="0" algn="l" defTabSz="914400" rtl="0" eaLnBrk="1" fontAlgn="auto" latinLnBrk="0" hangingPunct="1">
+              <a:lnSpc>
+                <a:spcPct val="100000"/>
+              </a:lnSpc>
+              <a:spcBef>
+                <a:spcPts val="0"/>
+              </a:spcBef>
+              <a:spcAft>
+                <a:spcPts val="0"/>
+              </a:spcAft>
+              <a:buClrTx/>
+              <a:buSzTx/>
+              <a:buFontTx/>
+              <a:buNone/>
+              <a:tabLst/>
+              <a:defRPr/>
+            </a:pPr>
+            <a:r>
+              <a:rPr lang="en-US" sz="1200" smtClean="0">
+                <a:latin typeface="Times New Roman" panose="02020603050405020304" pitchFamily="18" charset="0"/>
+                <a:cs typeface="Times New Roman" panose="02020603050405020304" pitchFamily="18" charset="0"/>
+              </a:rPr>
+              <a:t>so words like "use pointers to solve A", "Award Exercise B with cursor "is completely wrong.</a:t>
+            </a:r>
+          </a:p>
+          <a:p>
+            <a:endParaRPr lang="en-US"/>
+          </a:p>
+        </p:txBody>
+      </p:sp>
+      <p:sp>
+        <p:nvSpPr>
+          <p:cNvPr id="4" name="Slide Number Placeholder 3"/>
+          <p:cNvSpPr>
+            <a:spLocks noGrp="1"/>
+          </p:cNvSpPr>
+          <p:nvPr>
+            <p:ph type="sldNum" sz="quarter" idx="10"/>
+          </p:nvPr>
+        </p:nvSpPr>
+        <p:spPr/>
+        <p:txBody>
+          <a:bodyPr/>
+          <a:lstStyle/>
+          <a:p>
+            <a:fld id="{FA01D199-15BB-4A94-BD29-F14E7FB2C467}" type="slidenum">
+              <a:rPr lang="en-US" smtClean="0"/>
+              <a:t>4</a:t>
+            </a:fld>
+            <a:endParaRPr lang="en-US"/>
+          </a:p>
+        </p:txBody>
+      </p:sp>
+    </p:spTree>
+    <p:extLst>
+      <p:ext uri="{BB962C8B-B14F-4D97-AF65-F5344CB8AC3E}">
+        <p14:creationId xmlns:p14="http://schemas.microsoft.com/office/powerpoint/2010/main" val="2385738390"/>
+      </p:ext>
+    </p:extLst>
+  </p:cSld>
+  <p:clrMapOvr>
+    <a:masterClrMapping/>
+  </p:clrMapOvr>
+</p:notes>
+</file>
+
+<file path=ppt/notesSlides/notesSlide3.xml><?xml version="1.0" encoding="utf-8"?>
+<p:notes xmlns:a="http://schemas.openxmlformats.org/drawingml/2006/main" xmlns:r="http://schemas.openxmlformats.org/officeDocument/2006/relationships" xmlns:p="http://schemas.openxmlformats.org/presentationml/2006/main">
+  <p:cSld>
+    <p:spTree>
+      <p:nvGrpSpPr>
+        <p:cNvPr id="1" name=""/>
+        <p:cNvGrpSpPr/>
+        <p:nvPr/>
+      </p:nvGrpSpPr>
+      <p:grpSpPr>
+        <a:xfrm>
+          <a:off x="0" y="0"/>
+          <a:ext cx="0" cy="0"/>
+          <a:chOff x="0" y="0"/>
+          <a:chExt cx="0" cy="0"/>
+        </a:xfrm>
+      </p:grpSpPr>
+      <p:sp>
+        <p:nvSpPr>
+          <p:cNvPr id="2" name="Slide Image Placeholder 1"/>
+          <p:cNvSpPr>
+            <a:spLocks noGrp="1" noRot="1" noChangeAspect="1"/>
+          </p:cNvSpPr>
+          <p:nvPr>
+            <p:ph type="sldImg"/>
+          </p:nvPr>
+        </p:nvSpPr>
+        <p:spPr/>
+      </p:sp>
+      <p:sp>
+        <p:nvSpPr>
+          <p:cNvPr id="3" name="Notes Placeholder 2"/>
+          <p:cNvSpPr>
+            <a:spLocks noGrp="1"/>
+          </p:cNvSpPr>
+          <p:nvPr>
+            <p:ph type="body" idx="1"/>
+          </p:nvPr>
+        </p:nvSpPr>
+        <p:spPr/>
+        <p:txBody>
+          <a:bodyPr/>
+          <a:lstStyle/>
+          <a:p>
+            <a:r>
+              <a:rPr lang="vi-VN" sz="1200" b="0" i="0" kern="1200" smtClean="0">
+                <a:solidFill>
+                  <a:schemeClr val="tx1"/>
+                </a:solidFill>
+                <a:effectLst/>
+                <a:latin typeface="+mn-lt"/>
+                <a:ea typeface="+mn-ea"/>
+                <a:cs typeface="+mn-cs"/>
+              </a:rPr>
+              <a:t> int a=197,*p=&amp;a;</a:t>
+            </a:r>
+            <a:br>
+              <a:rPr lang="vi-VN" sz="1200" b="0" i="0" kern="1200" smtClean="0">
+                <a:solidFill>
+                  <a:schemeClr val="tx1"/>
+                </a:solidFill>
+                <a:effectLst/>
+                <a:latin typeface="+mn-lt"/>
+                <a:ea typeface="+mn-ea"/>
+                <a:cs typeface="+mn-cs"/>
+              </a:rPr>
+            </a:br>
+            <a:r>
+              <a:rPr lang="vi-VN" sz="1200" b="0" i="0" kern="1200" smtClean="0">
+                <a:solidFill>
+                  <a:schemeClr val="tx1"/>
+                </a:solidFill>
+                <a:effectLst/>
+                <a:latin typeface="+mn-lt"/>
+                <a:ea typeface="+mn-ea"/>
+                <a:cs typeface="+mn-cs"/>
+              </a:rPr>
+              <a:t>    double b=0,*x=&amp;b;</a:t>
+            </a:r>
+            <a:br>
+              <a:rPr lang="vi-VN" sz="1200" b="0" i="0" kern="1200" smtClean="0">
+                <a:solidFill>
+                  <a:schemeClr val="tx1"/>
+                </a:solidFill>
+                <a:effectLst/>
+                <a:latin typeface="+mn-lt"/>
+                <a:ea typeface="+mn-ea"/>
+                <a:cs typeface="+mn-cs"/>
+              </a:rPr>
+            </a:br>
+            <a:r>
+              <a:rPr lang="vi-VN" sz="1200" b="0" i="0" kern="1200" smtClean="0">
+                <a:solidFill>
+                  <a:schemeClr val="tx1"/>
+                </a:solidFill>
+                <a:effectLst/>
+                <a:latin typeface="+mn-lt"/>
+                <a:ea typeface="+mn-ea"/>
+                <a:cs typeface="+mn-cs"/>
+              </a:rPr>
+              <a:t/>
+            </a:r>
+            <a:br>
+              <a:rPr lang="vi-VN" sz="1200" b="0" i="0" kern="1200" smtClean="0">
+                <a:solidFill>
+                  <a:schemeClr val="tx1"/>
+                </a:solidFill>
+                <a:effectLst/>
+                <a:latin typeface="+mn-lt"/>
+                <a:ea typeface="+mn-ea"/>
+                <a:cs typeface="+mn-cs"/>
+              </a:rPr>
+            </a:br>
+            <a:r>
+              <a:rPr lang="vi-VN" sz="1200" b="0" i="0" kern="1200" smtClean="0">
+                <a:solidFill>
+                  <a:schemeClr val="tx1"/>
+                </a:solidFill>
+                <a:effectLst/>
+                <a:latin typeface="+mn-lt"/>
+                <a:ea typeface="+mn-ea"/>
+                <a:cs typeface="+mn-cs"/>
+              </a:rPr>
+              <a:t>    // so sánh 2 con trỏ </a:t>
+            </a:r>
+            <a:br>
+              <a:rPr lang="vi-VN" sz="1200" b="0" i="0" kern="1200" smtClean="0">
+                <a:solidFill>
+                  <a:schemeClr val="tx1"/>
+                </a:solidFill>
+                <a:effectLst/>
+                <a:latin typeface="+mn-lt"/>
+                <a:ea typeface="+mn-ea"/>
+                <a:cs typeface="+mn-cs"/>
+              </a:rPr>
+            </a:br>
+            <a:r>
+              <a:rPr lang="vi-VN" sz="1200" b="0" i="0" kern="1200" smtClean="0">
+                <a:solidFill>
+                  <a:schemeClr val="tx1"/>
+                </a:solidFill>
+                <a:effectLst/>
+                <a:latin typeface="+mn-lt"/>
+                <a:ea typeface="+mn-ea"/>
+                <a:cs typeface="+mn-cs"/>
+              </a:rPr>
+              <a:t>    (int)p==(int)x;</a:t>
+            </a:r>
+            <a:br>
+              <a:rPr lang="vi-VN" sz="1200" b="0" i="0" kern="1200" smtClean="0">
+                <a:solidFill>
+                  <a:schemeClr val="tx1"/>
+                </a:solidFill>
+                <a:effectLst/>
+                <a:latin typeface="+mn-lt"/>
+                <a:ea typeface="+mn-ea"/>
+                <a:cs typeface="+mn-cs"/>
+              </a:rPr>
+            </a:br>
+            <a:r>
+              <a:rPr lang="vi-VN" sz="1200" b="0" i="0" kern="1200" smtClean="0">
+                <a:solidFill>
+                  <a:schemeClr val="tx1"/>
+                </a:solidFill>
+                <a:effectLst/>
+                <a:latin typeface="+mn-lt"/>
+                <a:ea typeface="+mn-ea"/>
+                <a:cs typeface="+mn-cs"/>
+              </a:rPr>
+              <a:t>    p==(int *)x;</a:t>
+            </a:r>
+            <a:br>
+              <a:rPr lang="vi-VN" sz="1200" b="0" i="0" kern="1200" smtClean="0">
+                <a:solidFill>
+                  <a:schemeClr val="tx1"/>
+                </a:solidFill>
+                <a:effectLst/>
+                <a:latin typeface="+mn-lt"/>
+                <a:ea typeface="+mn-ea"/>
+                <a:cs typeface="+mn-cs"/>
+              </a:rPr>
+            </a:br>
+            <a:r>
+              <a:rPr lang="vi-VN" sz="1200" b="0" i="0" kern="1200" smtClean="0">
+                <a:solidFill>
+                  <a:schemeClr val="tx1"/>
+                </a:solidFill>
+                <a:effectLst/>
+                <a:latin typeface="+mn-lt"/>
+                <a:ea typeface="+mn-ea"/>
+                <a:cs typeface="+mn-cs"/>
+              </a:rPr>
+              <a:t>    (double*)p==x;</a:t>
+            </a:r>
+            <a:br>
+              <a:rPr lang="vi-VN" sz="1200" b="0" i="0" kern="1200" smtClean="0">
+                <a:solidFill>
+                  <a:schemeClr val="tx1"/>
+                </a:solidFill>
+                <a:effectLst/>
+                <a:latin typeface="+mn-lt"/>
+                <a:ea typeface="+mn-ea"/>
+                <a:cs typeface="+mn-cs"/>
+              </a:rPr>
+            </a:br>
+            <a:r>
+              <a:rPr lang="vi-VN" sz="1200" b="0" i="0" kern="1200" smtClean="0">
+                <a:solidFill>
+                  <a:schemeClr val="tx1"/>
+                </a:solidFill>
+                <a:effectLst/>
+                <a:latin typeface="+mn-lt"/>
+                <a:ea typeface="+mn-ea"/>
+                <a:cs typeface="+mn-cs"/>
+              </a:rPr>
+              <a:t>    (void*)p==(void*)x;</a:t>
+            </a:r>
+            <a:br>
+              <a:rPr lang="vi-VN" sz="1200" b="0" i="0" kern="1200" smtClean="0">
+                <a:solidFill>
+                  <a:schemeClr val="tx1"/>
+                </a:solidFill>
+                <a:effectLst/>
+                <a:latin typeface="+mn-lt"/>
+                <a:ea typeface="+mn-ea"/>
+                <a:cs typeface="+mn-cs"/>
+              </a:rPr>
+            </a:br>
+            <a:r>
+              <a:rPr lang="vi-VN" sz="1200" b="0" i="0" kern="1200" smtClean="0">
+                <a:solidFill>
+                  <a:schemeClr val="tx1"/>
+                </a:solidFill>
+                <a:effectLst/>
+                <a:latin typeface="+mn-lt"/>
+                <a:ea typeface="+mn-ea"/>
+                <a:cs typeface="+mn-cs"/>
+              </a:rPr>
+              <a:t>    p==(void*)x;</a:t>
+            </a:r>
+            <a:br>
+              <a:rPr lang="vi-VN" sz="1200" b="0" i="0" kern="1200" smtClean="0">
+                <a:solidFill>
+                  <a:schemeClr val="tx1"/>
+                </a:solidFill>
+                <a:effectLst/>
+                <a:latin typeface="+mn-lt"/>
+                <a:ea typeface="+mn-ea"/>
+                <a:cs typeface="+mn-cs"/>
+              </a:rPr>
+            </a:br>
+            <a:r>
+              <a:rPr lang="vi-VN" sz="1200" b="0" i="0" kern="1200" smtClean="0">
+                <a:solidFill>
+                  <a:schemeClr val="tx1"/>
+                </a:solidFill>
+                <a:effectLst/>
+                <a:latin typeface="+mn-lt"/>
+                <a:ea typeface="+mn-ea"/>
+                <a:cs typeface="+mn-cs"/>
+              </a:rPr>
+              <a:t>    (float*)p==(float*)x;</a:t>
+            </a:r>
+            <a:br>
+              <a:rPr lang="vi-VN" sz="1200" b="0" i="0" kern="1200" smtClean="0">
+                <a:solidFill>
+                  <a:schemeClr val="tx1"/>
+                </a:solidFill>
+                <a:effectLst/>
+                <a:latin typeface="+mn-lt"/>
+                <a:ea typeface="+mn-ea"/>
+                <a:cs typeface="+mn-cs"/>
+              </a:rPr>
+            </a:br>
+            <a:r>
+              <a:rPr lang="vi-VN" sz="1200" b="0" i="0" kern="1200" smtClean="0">
+                <a:solidFill>
+                  <a:schemeClr val="tx1"/>
+                </a:solidFill>
+                <a:effectLst/>
+                <a:latin typeface="+mn-lt"/>
+                <a:ea typeface="+mn-ea"/>
+                <a:cs typeface="+mn-cs"/>
+              </a:rPr>
+              <a:t/>
+            </a:r>
+            <a:br>
+              <a:rPr lang="vi-VN" sz="1200" b="0" i="0" kern="1200" smtClean="0">
+                <a:solidFill>
+                  <a:schemeClr val="tx1"/>
+                </a:solidFill>
+                <a:effectLst/>
+                <a:latin typeface="+mn-lt"/>
+                <a:ea typeface="+mn-ea"/>
+                <a:cs typeface="+mn-cs"/>
+              </a:rPr>
+            </a:br>
+            <a:r>
+              <a:rPr lang="vi-VN" sz="1200" b="0" i="0" kern="1200" smtClean="0">
+                <a:solidFill>
+                  <a:schemeClr val="tx1"/>
+                </a:solidFill>
+                <a:effectLst/>
+                <a:latin typeface="+mn-lt"/>
+                <a:ea typeface="+mn-ea"/>
+                <a:cs typeface="+mn-cs"/>
+              </a:rPr>
+              <a:t>    //so sánh con trỏ với số nguyên</a:t>
+            </a:r>
+            <a:br>
+              <a:rPr lang="vi-VN" sz="1200" b="0" i="0" kern="1200" smtClean="0">
+                <a:solidFill>
+                  <a:schemeClr val="tx1"/>
+                </a:solidFill>
+                <a:effectLst/>
+                <a:latin typeface="+mn-lt"/>
+                <a:ea typeface="+mn-ea"/>
+                <a:cs typeface="+mn-cs"/>
+              </a:rPr>
+            </a:br>
+            <a:r>
+              <a:rPr lang="vi-VN" sz="1200" b="0" i="0" kern="1200" smtClean="0">
+                <a:solidFill>
+                  <a:schemeClr val="tx1"/>
+                </a:solidFill>
+                <a:effectLst/>
+                <a:latin typeface="+mn-lt"/>
+                <a:ea typeface="+mn-ea"/>
+                <a:cs typeface="+mn-cs"/>
+              </a:rPr>
+              <a:t>    p==(int*)9999;</a:t>
+            </a:r>
+            <a:br>
+              <a:rPr lang="vi-VN" sz="1200" b="0" i="0" kern="1200" smtClean="0">
+                <a:solidFill>
+                  <a:schemeClr val="tx1"/>
+                </a:solidFill>
+                <a:effectLst/>
+                <a:latin typeface="+mn-lt"/>
+                <a:ea typeface="+mn-ea"/>
+                <a:cs typeface="+mn-cs"/>
+              </a:rPr>
+            </a:br>
+            <a:r>
+              <a:rPr lang="vi-VN" sz="1200" b="0" i="0" kern="1200" smtClean="0">
+                <a:solidFill>
+                  <a:schemeClr val="tx1"/>
+                </a:solidFill>
+                <a:effectLst/>
+                <a:latin typeface="+mn-lt"/>
+                <a:ea typeface="+mn-ea"/>
+                <a:cs typeface="+mn-cs"/>
+              </a:rPr>
+              <a:t>    int(p)==9999;</a:t>
+            </a:r>
+            <a:br>
+              <a:rPr lang="vi-VN" sz="1200" b="0" i="0" kern="1200" smtClean="0">
+                <a:solidFill>
+                  <a:schemeClr val="tx1"/>
+                </a:solidFill>
+                <a:effectLst/>
+                <a:latin typeface="+mn-lt"/>
+                <a:ea typeface="+mn-ea"/>
+                <a:cs typeface="+mn-cs"/>
+              </a:rPr>
+            </a:br>
+            <a:r>
+              <a:rPr lang="vi-VN" sz="1200" b="0" i="0" kern="1200" smtClean="0">
+                <a:solidFill>
+                  <a:schemeClr val="tx1"/>
+                </a:solidFill>
+                <a:effectLst/>
+                <a:latin typeface="+mn-lt"/>
+                <a:ea typeface="+mn-ea"/>
+                <a:cs typeface="+mn-cs"/>
+              </a:rPr>
+              <a:t/>
+            </a:r>
+            <a:br>
+              <a:rPr lang="vi-VN" sz="1200" b="0" i="0" kern="1200" smtClean="0">
+                <a:solidFill>
+                  <a:schemeClr val="tx1"/>
+                </a:solidFill>
+                <a:effectLst/>
+                <a:latin typeface="+mn-lt"/>
+                <a:ea typeface="+mn-ea"/>
+                <a:cs typeface="+mn-cs"/>
+              </a:rPr>
+            </a:br>
+            <a:r>
+              <a:rPr lang="vi-VN" sz="1200" b="0" i="0" kern="1200" smtClean="0">
+                <a:solidFill>
+                  <a:schemeClr val="tx1"/>
+                </a:solidFill>
+                <a:effectLst/>
+                <a:latin typeface="+mn-lt"/>
+                <a:ea typeface="+mn-ea"/>
+                <a:cs typeface="+mn-cs"/>
+              </a:rPr>
+              <a:t>    // phần nâng cao và thâm thúy về con trỏ   </a:t>
+            </a:r>
+            <a:br>
+              <a:rPr lang="vi-VN" sz="1200" b="0" i="0" kern="1200" smtClean="0">
+                <a:solidFill>
+                  <a:schemeClr val="tx1"/>
+                </a:solidFill>
+                <a:effectLst/>
+                <a:latin typeface="+mn-lt"/>
+                <a:ea typeface="+mn-ea"/>
+                <a:cs typeface="+mn-cs"/>
+              </a:rPr>
+            </a:br>
+            <a:r>
+              <a:rPr lang="vi-VN" sz="1200" b="0" i="0" kern="1200" smtClean="0">
+                <a:solidFill>
+                  <a:schemeClr val="tx1"/>
+                </a:solidFill>
+                <a:effectLst/>
+                <a:latin typeface="+mn-lt"/>
+                <a:ea typeface="+mn-ea"/>
+                <a:cs typeface="+mn-cs"/>
+              </a:rPr>
+              <a:t>    (int)p==int(main);</a:t>
+            </a:r>
+            <a:br>
+              <a:rPr lang="vi-VN" sz="1200" b="0" i="0" kern="1200" smtClean="0">
+                <a:solidFill>
+                  <a:schemeClr val="tx1"/>
+                </a:solidFill>
+                <a:effectLst/>
+                <a:latin typeface="+mn-lt"/>
+                <a:ea typeface="+mn-ea"/>
+                <a:cs typeface="+mn-cs"/>
+              </a:rPr>
+            </a:br>
+            <a:r>
+              <a:rPr lang="vi-VN" sz="1200" b="0" i="0" kern="1200" smtClean="0">
+                <a:solidFill>
+                  <a:schemeClr val="tx1"/>
+                </a:solidFill>
+                <a:effectLst/>
+                <a:latin typeface="+mn-lt"/>
+                <a:ea typeface="+mn-ea"/>
+                <a:cs typeface="+mn-cs"/>
+              </a:rPr>
+              <a:t>    p==(int*)main;</a:t>
+            </a:r>
+            <a:br>
+              <a:rPr lang="vi-VN" sz="1200" b="0" i="0" kern="1200" smtClean="0">
+                <a:solidFill>
+                  <a:schemeClr val="tx1"/>
+                </a:solidFill>
+                <a:effectLst/>
+                <a:latin typeface="+mn-lt"/>
+                <a:ea typeface="+mn-ea"/>
+                <a:cs typeface="+mn-cs"/>
+              </a:rPr>
+            </a:br>
+            <a:r>
+              <a:rPr lang="vi-VN" sz="1200" b="0" i="0" kern="1200" smtClean="0">
+                <a:solidFill>
+                  <a:schemeClr val="tx1"/>
+                </a:solidFill>
+                <a:effectLst/>
+                <a:latin typeface="+mn-lt"/>
+                <a:ea typeface="+mn-ea"/>
+                <a:cs typeface="+mn-cs"/>
+              </a:rPr>
+              <a:t>    (int(*)())p==main;</a:t>
+            </a:r>
+            <a:br>
+              <a:rPr lang="vi-VN" sz="1200" b="0" i="0" kern="1200" smtClean="0">
+                <a:solidFill>
+                  <a:schemeClr val="tx1"/>
+                </a:solidFill>
+                <a:effectLst/>
+                <a:latin typeface="+mn-lt"/>
+                <a:ea typeface="+mn-ea"/>
+                <a:cs typeface="+mn-cs"/>
+              </a:rPr>
+            </a:br>
+            <a:r>
+              <a:rPr lang="vi-VN" sz="1200" b="0" i="0" kern="1200" smtClean="0">
+                <a:solidFill>
+                  <a:schemeClr val="tx1"/>
+                </a:solidFill>
+                <a:effectLst/>
+                <a:latin typeface="+mn-lt"/>
+                <a:ea typeface="+mn-ea"/>
+                <a:cs typeface="+mn-cs"/>
+              </a:rPr>
+              <a:t>    p==(void*)main;</a:t>
+            </a:r>
+            <a:br>
+              <a:rPr lang="vi-VN" sz="1200" b="0" i="0" kern="1200" smtClean="0">
+                <a:solidFill>
+                  <a:schemeClr val="tx1"/>
+                </a:solidFill>
+                <a:effectLst/>
+                <a:latin typeface="+mn-lt"/>
+                <a:ea typeface="+mn-ea"/>
+                <a:cs typeface="+mn-cs"/>
+              </a:rPr>
+            </a:br>
+            <a:r>
+              <a:rPr lang="vi-VN" sz="1200" b="0" i="0" kern="1200" smtClean="0">
+                <a:solidFill>
+                  <a:schemeClr val="tx1"/>
+                </a:solidFill>
+                <a:effectLst/>
+                <a:latin typeface="+mn-lt"/>
+                <a:ea typeface="+mn-ea"/>
+                <a:cs typeface="+mn-cs"/>
+              </a:rPr>
+              <a:t>    // bình tĩnh tự tin theo hết tut này bạn sẽ hiểu được cái gì đang xảy ra ở 4 dòng code này</a:t>
+            </a:r>
+            <a:endParaRPr lang="en-US"/>
+          </a:p>
+        </p:txBody>
+      </p:sp>
+      <p:sp>
+        <p:nvSpPr>
+          <p:cNvPr id="4" name="Slide Number Placeholder 3"/>
+          <p:cNvSpPr>
+            <a:spLocks noGrp="1"/>
+          </p:cNvSpPr>
+          <p:nvPr>
+            <p:ph type="sldNum" sz="quarter" idx="10"/>
+          </p:nvPr>
+        </p:nvSpPr>
+        <p:spPr/>
+        <p:txBody>
+          <a:bodyPr/>
+          <a:lstStyle/>
+          <a:p>
+            <a:fld id="{FA01D199-15BB-4A94-BD29-F14E7FB2C467}" type="slidenum">
+              <a:rPr lang="en-US" smtClean="0"/>
+              <a:t>12</a:t>
+            </a:fld>
+            <a:endParaRPr lang="en-US"/>
+          </a:p>
+        </p:txBody>
+      </p:sp>
+    </p:spTree>
+    <p:extLst>
+      <p:ext uri="{BB962C8B-B14F-4D97-AF65-F5344CB8AC3E}">
+        <p14:creationId xmlns:p14="http://schemas.microsoft.com/office/powerpoint/2010/main" val="3092663917"/>
+      </p:ext>
+    </p:extLst>
+  </p:cSld>
+  <p:clrMapOvr>
+    <a:masterClrMapping/>
+  </p:clrMapOvr>
+</p:notes>
+</file>
+
 <file path=ppt/slideLayouts/slideLayout1.xml><?xml version="1.0" encoding="utf-8"?>
 <p:sldLayout xmlns:a="http://schemas.openxmlformats.org/drawingml/2006/main" xmlns:r="http://schemas.openxmlformats.org/officeDocument/2006/relationships" xmlns:p="http://schemas.openxmlformats.org/presentationml/2006/main" showMasterSp="0" type="title" preserve="1">
   <p:cSld name="Title Slide">
@@ -1071,7 +1751,7 @@
           <a:p>
             <a:fld id="{5A069CB8-F204-4D06-B913-C5A26A89888A}" type="datetimeFigureOut">
               <a:rPr lang="en-US" smtClean="0"/>
-              <a:t>9/2/2015</a:t>
+              <a:t>9/6/2015</a:t>
             </a:fld>
             <a:endParaRPr lang="en-US" dirty="0"/>
           </a:p>
@@ -1279,7 +1959,7 @@
           <a:p>
             <a:fld id="{50B6E300-0A13-4A81-945A-7333C271A069}" type="datetimeFigureOut">
               <a:rPr lang="en-US" smtClean="0"/>
-              <a:t>9/2/2015</a:t>
+              <a:t>9/6/2015</a:t>
             </a:fld>
             <a:endParaRPr lang="en-US" dirty="0"/>
           </a:p>
@@ -1535,7 +2215,7 @@
           <a:p>
             <a:fld id="{34671962-1EA4-46E7-BCB0-F36CE46D1A59}" type="datetimeFigureOut">
               <a:rPr lang="en-US" smtClean="0"/>
-              <a:t>9/2/2015</a:t>
+              <a:t>9/6/2015</a:t>
             </a:fld>
             <a:endParaRPr lang="en-US" dirty="0"/>
           </a:p>
@@ -1705,7 +2385,7 @@
           <a:p>
             <a:fld id="{D30BB376-B19C-488D-ABEB-03C7E6E9E3E0}" type="datetimeFigureOut">
               <a:rPr lang="en-US" smtClean="0"/>
-              <a:t>9/2/2015</a:t>
+              <a:t>9/6/2015</a:t>
             </a:fld>
             <a:endParaRPr lang="en-US" dirty="0"/>
           </a:p>
@@ -2048,7 +2728,7 @@
           <a:p>
             <a:fld id="{486F077B-A50F-4D64-8574-E2D6A98A5553}" type="datetimeFigureOut">
               <a:rPr lang="en-US" smtClean="0"/>
-              <a:t>9/2/2015</a:t>
+              <a:t>9/6/2015</a:t>
             </a:fld>
             <a:endParaRPr lang="en-US" dirty="0"/>
           </a:p>
@@ -2323,7 +3003,7 @@
           <a:p>
             <a:fld id="{7D9E2A62-1983-43A1-A163-D8AA46534C80}" type="datetimeFigureOut">
               <a:rPr lang="en-US" smtClean="0"/>
-              <a:t>9/2/2015</a:t>
+              <a:t>9/6/2015</a:t>
             </a:fld>
             <a:endParaRPr lang="en-US" dirty="0"/>
           </a:p>
@@ -2702,7 +3382,7 @@
           <a:p>
             <a:fld id="{898F3E3B-34E3-4345-B2A1-994B83598A9C}" type="datetimeFigureOut">
               <a:rPr lang="en-US" smtClean="0"/>
-              <a:t>9/2/2015</a:t>
+              <a:t>9/6/2015</a:t>
             </a:fld>
             <a:endParaRPr lang="en-US" dirty="0"/>
           </a:p>
@@ -2820,7 +3500,7 @@
           <a:p>
             <a:fld id="{FD816C96-82A1-4D77-8ADA-627AC6FE3D65}" type="datetimeFigureOut">
               <a:rPr lang="en-US" smtClean="0"/>
-              <a:t>9/2/2015</a:t>
+              <a:t>9/6/2015</a:t>
             </a:fld>
             <a:endParaRPr lang="en-US" dirty="0"/>
           </a:p>
@@ -2991,7 +3671,7 @@
           <a:p>
             <a:fld id="{1D102C1E-28F2-47E9-802D-339E64E2F920}" type="datetimeFigureOut">
               <a:rPr lang="en-US" smtClean="0"/>
-              <a:t>9/2/2015</a:t>
+              <a:t>9/6/2015</a:t>
             </a:fld>
             <a:endParaRPr lang="en-US" dirty="0"/>
           </a:p>
@@ -3346,7 +4026,7 @@
           <a:p>
             <a:fld id="{24271A48-F18A-45B3-BC05-1E27DA3F88AF}" type="datetimeFigureOut">
               <a:rPr lang="en-US" smtClean="0"/>
-              <a:t>9/2/2015</a:t>
+              <a:t>9/6/2015</a:t>
             </a:fld>
             <a:endParaRPr lang="en-US" dirty="0"/>
           </a:p>
@@ -3724,7 +4404,7 @@
           <a:p>
             <a:fld id="{65B747F8-9654-4282-85D2-65F41AAE7A75}" type="datetimeFigureOut">
               <a:rPr lang="en-US" smtClean="0"/>
-              <a:t>9/2/2015</a:t>
+              <a:t>9/6/2015</a:t>
             </a:fld>
             <a:endParaRPr lang="en-US" dirty="0"/>
           </a:p>
@@ -4011,7 +4691,7 @@
           <a:p>
             <a:fld id="{5DC5B261-8843-42D1-AAFC-05E20E2D9B97}" type="datetimeFigureOut">
               <a:rPr lang="en-US" smtClean="0"/>
-              <a:t>9/2/2015</a:t>
+              <a:t>9/6/2015</a:t>
             </a:fld>
             <a:endParaRPr lang="en-US" dirty="0"/>
           </a:p>
@@ -4602,6 +5282,921 @@
 </p:sld>
 </file>
 
+<file path=ppt/slides/slide10.xml><?xml version="1.0" encoding="utf-8"?>
+<p:sld xmlns:a="http://schemas.openxmlformats.org/drawingml/2006/main" xmlns:r="http://schemas.openxmlformats.org/officeDocument/2006/relationships" xmlns:p="http://schemas.openxmlformats.org/presentationml/2006/main">
+  <p:cSld>
+    <p:spTree>
+      <p:nvGrpSpPr>
+        <p:cNvPr id="1" name=""/>
+        <p:cNvGrpSpPr/>
+        <p:nvPr/>
+      </p:nvGrpSpPr>
+      <p:grpSpPr>
+        <a:xfrm>
+          <a:off x="0" y="0"/>
+          <a:ext cx="0" cy="0"/>
+          <a:chOff x="0" y="0"/>
+          <a:chExt cx="0" cy="0"/>
+        </a:xfrm>
+      </p:grpSpPr>
+      <p:sp>
+        <p:nvSpPr>
+          <p:cNvPr id="2" name="Title 1"/>
+          <p:cNvSpPr>
+            <a:spLocks noGrp="1"/>
+          </p:cNvSpPr>
+          <p:nvPr>
+            <p:ph type="title"/>
+          </p:nvPr>
+        </p:nvSpPr>
+        <p:spPr/>
+        <p:txBody>
+          <a:bodyPr/>
+          <a:lstStyle/>
+          <a:p>
+            <a:r>
+              <a:rPr lang="en-US">
+                <a:latin typeface="Times New Roman" panose="02020603050405020304" pitchFamily="18" charset="0"/>
+                <a:cs typeface="Times New Roman" panose="02020603050405020304" pitchFamily="18" charset="0"/>
+              </a:rPr>
+              <a:t>Initialize Pointer (cont)</a:t>
+            </a:r>
+            <a:endParaRPr lang="en-US"/>
+          </a:p>
+        </p:txBody>
+      </p:sp>
+      <p:pic>
+        <p:nvPicPr>
+          <p:cNvPr id="4" name="Content Placeholder 3"/>
+          <p:cNvPicPr>
+            <a:picLocks noGrp="1" noChangeAspect="1"/>
+          </p:cNvPicPr>
+          <p:nvPr>
+            <p:ph idx="1"/>
+          </p:nvPr>
+        </p:nvPicPr>
+        <p:blipFill>
+          <a:blip r:embed="rId2"/>
+          <a:stretch>
+            <a:fillRect/>
+          </a:stretch>
+        </p:blipFill>
+        <p:spPr>
+          <a:xfrm>
+            <a:off x="2218158" y="1941342"/>
+            <a:ext cx="4753403" cy="4164036"/>
+          </a:xfrm>
+          <a:prstGeom prst="rect">
+            <a:avLst/>
+          </a:prstGeom>
+        </p:spPr>
+      </p:pic>
+    </p:spTree>
+    <p:extLst>
+      <p:ext uri="{BB962C8B-B14F-4D97-AF65-F5344CB8AC3E}">
+        <p14:creationId xmlns:p14="http://schemas.microsoft.com/office/powerpoint/2010/main" val="3138867417"/>
+      </p:ext>
+    </p:extLst>
+  </p:cSld>
+  <p:clrMapOvr>
+    <a:masterClrMapping/>
+  </p:clrMapOvr>
+  <p:timing>
+    <p:tnLst>
+      <p:par>
+        <p:cTn id="1" dur="indefinite" restart="never" nodeType="tmRoot"/>
+      </p:par>
+    </p:tnLst>
+  </p:timing>
+</p:sld>
+</file>
+
+<file path=ppt/slides/slide11.xml><?xml version="1.0" encoding="utf-8"?>
+<p:sld xmlns:a="http://schemas.openxmlformats.org/drawingml/2006/main" xmlns:r="http://schemas.openxmlformats.org/officeDocument/2006/relationships" xmlns:p="http://schemas.openxmlformats.org/presentationml/2006/main">
+  <p:cSld>
+    <p:spTree>
+      <p:nvGrpSpPr>
+        <p:cNvPr id="1" name=""/>
+        <p:cNvGrpSpPr/>
+        <p:nvPr/>
+      </p:nvGrpSpPr>
+      <p:grpSpPr>
+        <a:xfrm>
+          <a:off x="0" y="0"/>
+          <a:ext cx="0" cy="0"/>
+          <a:chOff x="0" y="0"/>
+          <a:chExt cx="0" cy="0"/>
+        </a:xfrm>
+      </p:grpSpPr>
+      <p:sp>
+        <p:nvSpPr>
+          <p:cNvPr id="2" name="Title 1"/>
+          <p:cNvSpPr>
+            <a:spLocks noGrp="1"/>
+          </p:cNvSpPr>
+          <p:nvPr>
+            <p:ph type="title"/>
+          </p:nvPr>
+        </p:nvSpPr>
+        <p:spPr/>
+        <p:txBody>
+          <a:bodyPr>
+            <a:normAutofit/>
+          </a:bodyPr>
+          <a:lstStyle/>
+          <a:p>
+            <a:r>
+              <a:rPr lang="en-US">
+                <a:latin typeface="Times New Roman" panose="02020603050405020304" pitchFamily="18" charset="0"/>
+                <a:cs typeface="Times New Roman" panose="02020603050405020304" pitchFamily="18" charset="0"/>
+              </a:rPr>
+              <a:t>O</a:t>
+            </a:r>
+            <a:r>
+              <a:rPr lang="en-US" smtClean="0">
+                <a:latin typeface="Times New Roman" panose="02020603050405020304" pitchFamily="18" charset="0"/>
+                <a:cs typeface="Times New Roman" panose="02020603050405020304" pitchFamily="18" charset="0"/>
+              </a:rPr>
+              <a:t>perations </a:t>
+            </a:r>
+            <a:r>
+              <a:rPr lang="en-US">
+                <a:latin typeface="Times New Roman" panose="02020603050405020304" pitchFamily="18" charset="0"/>
+                <a:cs typeface="Times New Roman" panose="02020603050405020304" pitchFamily="18" charset="0"/>
+              </a:rPr>
+              <a:t>on </a:t>
+            </a:r>
+            <a:r>
+              <a:rPr lang="en-US" smtClean="0">
+                <a:latin typeface="Times New Roman" panose="02020603050405020304" pitchFamily="18" charset="0"/>
+                <a:cs typeface="Times New Roman" panose="02020603050405020304" pitchFamily="18" charset="0"/>
+              </a:rPr>
+              <a:t>Pointers</a:t>
+            </a:r>
+            <a:endParaRPr lang="en-US">
+              <a:latin typeface="Times New Roman" panose="02020603050405020304" pitchFamily="18" charset="0"/>
+              <a:cs typeface="Times New Roman" panose="02020603050405020304" pitchFamily="18" charset="0"/>
+            </a:endParaRPr>
+          </a:p>
+        </p:txBody>
+      </p:sp>
+      <p:sp>
+        <p:nvSpPr>
+          <p:cNvPr id="3" name="Content Placeholder 2"/>
+          <p:cNvSpPr>
+            <a:spLocks noGrp="1"/>
+          </p:cNvSpPr>
+          <p:nvPr>
+            <p:ph idx="1"/>
+          </p:nvPr>
+        </p:nvSpPr>
+        <p:spPr>
+          <a:xfrm>
+            <a:off x="822959" y="1845733"/>
+            <a:ext cx="7543801" cy="4400321"/>
+          </a:xfrm>
+        </p:spPr>
+        <p:txBody>
+          <a:bodyPr anchor="ctr">
+            <a:normAutofit lnSpcReduction="10000"/>
+          </a:bodyPr>
+          <a:lstStyle/>
+          <a:p>
+            <a:r>
+              <a:rPr lang="en-US" sz="2400" b="1">
+                <a:latin typeface="Times New Roman" panose="02020603050405020304" pitchFamily="18" charset="0"/>
+                <a:cs typeface="Times New Roman" panose="02020603050405020304" pitchFamily="18" charset="0"/>
+              </a:rPr>
+              <a:t>a</a:t>
+            </a:r>
+            <a:r>
+              <a:rPr lang="en-US" sz="2400" b="1">
+                <a:latin typeface="Times New Roman" panose="02020603050405020304" pitchFamily="18" charset="0"/>
+                <a:cs typeface="Times New Roman" panose="02020603050405020304" pitchFamily="18" charset="0"/>
+              </a:rPr>
+              <a:t>. </a:t>
+            </a:r>
+            <a:r>
+              <a:rPr lang="en-US" sz="2400" b="1">
+                <a:latin typeface="Times New Roman" panose="02020603050405020304" pitchFamily="18" charset="0"/>
+                <a:cs typeface="Times New Roman" panose="02020603050405020304" pitchFamily="18" charset="0"/>
+              </a:rPr>
+              <a:t>A</a:t>
+            </a:r>
+            <a:r>
+              <a:rPr lang="en-US" sz="2400" b="1" smtClean="0">
+                <a:latin typeface="Times New Roman" panose="02020603050405020304" pitchFamily="18" charset="0"/>
+                <a:cs typeface="Times New Roman" panose="02020603050405020304" pitchFamily="18" charset="0"/>
+              </a:rPr>
+              <a:t>ssignment:</a:t>
+            </a:r>
+            <a:endParaRPr lang="en-US" sz="2400" b="1">
+              <a:latin typeface="Times New Roman" panose="02020603050405020304" pitchFamily="18" charset="0"/>
+              <a:cs typeface="Times New Roman" panose="02020603050405020304" pitchFamily="18" charset="0"/>
+            </a:endParaRPr>
+          </a:p>
+          <a:p>
+            <a:r>
+              <a:rPr lang="en-US" sz="2400">
+                <a:latin typeface="Times New Roman" panose="02020603050405020304" pitchFamily="18" charset="0"/>
+                <a:cs typeface="Times New Roman" panose="02020603050405020304" pitchFamily="18" charset="0"/>
+              </a:rPr>
+              <a:t>- All cursor types are allowed </a:t>
+            </a:r>
+            <a:r>
+              <a:rPr lang="en-US" sz="2400">
+                <a:latin typeface="Times New Roman" panose="02020603050405020304" pitchFamily="18" charset="0"/>
+                <a:cs typeface="Times New Roman" panose="02020603050405020304" pitchFamily="18" charset="0"/>
+              </a:rPr>
+              <a:t>to </a:t>
+            </a:r>
+            <a:r>
+              <a:rPr lang="en-US" sz="2400" smtClean="0">
+                <a:latin typeface="Times New Roman" panose="02020603050405020304" pitchFamily="18" charset="0"/>
+                <a:cs typeface="Times New Roman" panose="02020603050405020304" pitchFamily="18" charset="0"/>
+              </a:rPr>
+              <a:t>assign.</a:t>
+            </a:r>
+          </a:p>
+          <a:p>
+            <a:r>
+              <a:rPr lang="en-US" sz="2400" smtClean="0">
+                <a:latin typeface="Times New Roman" panose="02020603050405020304" pitchFamily="18" charset="0"/>
+                <a:cs typeface="Times New Roman" panose="02020603050405020304" pitchFamily="18" charset="0"/>
+              </a:rPr>
+              <a:t>- Assignments </a:t>
+            </a:r>
+            <a:r>
+              <a:rPr lang="en-US" sz="2400">
+                <a:latin typeface="Times New Roman" panose="02020603050405020304" pitchFamily="18" charset="0"/>
+                <a:cs typeface="Times New Roman" panose="02020603050405020304" pitchFamily="18" charset="0"/>
+              </a:rPr>
+              <a:t>require left-hand side is </a:t>
+            </a:r>
+            <a:r>
+              <a:rPr lang="en-US" sz="2400">
+                <a:latin typeface="Times New Roman" panose="02020603050405020304" pitchFamily="18" charset="0"/>
+                <a:cs typeface="Times New Roman" panose="02020603050405020304" pitchFamily="18" charset="0"/>
+              </a:rPr>
+              <a:t>the </a:t>
+            </a:r>
+            <a:r>
+              <a:rPr lang="en-US" sz="2400" smtClean="0">
+                <a:latin typeface="Times New Roman" panose="02020603050405020304" pitchFamily="18" charset="0"/>
+                <a:cs typeface="Times New Roman" panose="02020603050405020304" pitchFamily="18" charset="0"/>
+              </a:rPr>
+              <a:t>one pointer </a:t>
+            </a:r>
+            <a:r>
+              <a:rPr lang="en-US" sz="2400">
+                <a:latin typeface="Times New Roman" panose="02020603050405020304" pitchFamily="18" charset="0"/>
+                <a:cs typeface="Times New Roman" panose="02020603050405020304" pitchFamily="18" charset="0"/>
+              </a:rPr>
+              <a:t>and the right side </a:t>
+            </a:r>
+            <a:r>
+              <a:rPr lang="en-US" sz="2400">
+                <a:latin typeface="Times New Roman" panose="02020603050405020304" pitchFamily="18" charset="0"/>
+                <a:cs typeface="Times New Roman" panose="02020603050405020304" pitchFamily="18" charset="0"/>
+              </a:rPr>
+              <a:t>is </a:t>
+            </a:r>
+            <a:r>
+              <a:rPr lang="en-US" sz="2400" smtClean="0">
+                <a:latin typeface="Times New Roman" panose="02020603050405020304" pitchFamily="18" charset="0"/>
+                <a:cs typeface="Times New Roman" panose="02020603050405020304" pitchFamily="18" charset="0"/>
+              </a:rPr>
+              <a:t>one address.</a:t>
+            </a:r>
+          </a:p>
+          <a:p>
+            <a:r>
+              <a:rPr lang="en-US" sz="2400" smtClean="0">
+                <a:latin typeface="Times New Roman" panose="02020603050405020304" pitchFamily="18" charset="0"/>
+                <a:cs typeface="Times New Roman" panose="02020603050405020304" pitchFamily="18" charset="0"/>
+              </a:rPr>
+              <a:t>- </a:t>
+            </a:r>
+            <a:r>
+              <a:rPr lang="en-US" sz="2400">
+                <a:latin typeface="Times New Roman" panose="02020603050405020304" pitchFamily="18" charset="0"/>
+                <a:cs typeface="Times New Roman" panose="02020603050405020304" pitchFamily="18" charset="0"/>
+              </a:rPr>
+              <a:t>Assignments require proportionality of data types, if not adequately we </a:t>
+            </a:r>
+            <a:r>
+              <a:rPr lang="en-US" sz="2400">
+                <a:latin typeface="Times New Roman" panose="02020603050405020304" pitchFamily="18" charset="0"/>
+                <a:cs typeface="Times New Roman" panose="02020603050405020304" pitchFamily="18" charset="0"/>
+              </a:rPr>
+              <a:t>must </a:t>
+            </a:r>
+            <a:r>
+              <a:rPr lang="en-US" sz="2400" smtClean="0">
+                <a:latin typeface="Times New Roman" panose="02020603050405020304" pitchFamily="18" charset="0"/>
+                <a:cs typeface="Times New Roman" panose="02020603050405020304" pitchFamily="18" charset="0"/>
+              </a:rPr>
+              <a:t>cast: </a:t>
+            </a:r>
+          </a:p>
+          <a:p>
+            <a:pPr lvl="1"/>
+            <a:r>
+              <a:rPr lang="en-US" sz="2400" smtClean="0">
+                <a:latin typeface="Arial" panose="020B0604020202020204" pitchFamily="34" charset="0"/>
+                <a:ea typeface="Batang" panose="02030600000101010101" pitchFamily="18" charset="-127"/>
+                <a:cs typeface="Arial" panose="020B0604020202020204" pitchFamily="34" charset="0"/>
+              </a:rPr>
+              <a:t>Exp: 		int *p = (</a:t>
+            </a:r>
+            <a:r>
+              <a:rPr lang="en-US" sz="2400">
+                <a:latin typeface="Arial" panose="020B0604020202020204" pitchFamily="34" charset="0"/>
+                <a:ea typeface="Batang" panose="02030600000101010101" pitchFamily="18" charset="-127"/>
+                <a:cs typeface="Arial" panose="020B0604020202020204" pitchFamily="34" charset="0"/>
+              </a:rPr>
+              <a:t>int</a:t>
+            </a:r>
+            <a:r>
+              <a:rPr lang="en-US" sz="2400">
+                <a:latin typeface="Arial" panose="020B0604020202020204" pitchFamily="34" charset="0"/>
+                <a:ea typeface="Batang" panose="02030600000101010101" pitchFamily="18" charset="-127"/>
+                <a:cs typeface="Arial" panose="020B0604020202020204" pitchFamily="34" charset="0"/>
+              </a:rPr>
+              <a:t>*)</a:t>
+            </a:r>
+            <a:r>
+              <a:rPr lang="en-US" sz="2400" smtClean="0">
+                <a:latin typeface="Arial" panose="020B0604020202020204" pitchFamily="34" charset="0"/>
+                <a:ea typeface="Batang" panose="02030600000101010101" pitchFamily="18" charset="-127"/>
+                <a:cs typeface="Arial" panose="020B0604020202020204" pitchFamily="34" charset="0"/>
+              </a:rPr>
+              <a:t>8232;</a:t>
+            </a:r>
+          </a:p>
+          <a:p>
+            <a:pPr marL="225425" lvl="1" indent="-112713">
+              <a:buFontTx/>
+              <a:buChar char="-"/>
+            </a:pPr>
+            <a:r>
+              <a:rPr lang="en-US" sz="2400" smtClean="0">
+                <a:latin typeface="Times New Roman" panose="02020603050405020304" pitchFamily="18" charset="0"/>
+                <a:cs typeface="Times New Roman" panose="02020603050405020304" pitchFamily="18" charset="0"/>
+              </a:rPr>
+              <a:t> Assignments </a:t>
+            </a:r>
+            <a:r>
+              <a:rPr lang="en-US" sz="2400">
+                <a:latin typeface="Times New Roman" panose="02020603050405020304" pitchFamily="18" charset="0"/>
+                <a:cs typeface="Times New Roman" panose="02020603050405020304" pitchFamily="18" charset="0"/>
+              </a:rPr>
+              <a:t>with 1 void </a:t>
+            </a:r>
+            <a:r>
+              <a:rPr lang="en-US" sz="2400">
+                <a:latin typeface="Times New Roman" panose="02020603050405020304" pitchFamily="18" charset="0"/>
+                <a:cs typeface="Times New Roman" panose="02020603050405020304" pitchFamily="18" charset="0"/>
+              </a:rPr>
+              <a:t>pointer </a:t>
+            </a:r>
+            <a:r>
+              <a:rPr lang="en-US" sz="2400" smtClean="0">
+                <a:latin typeface="Times New Roman" panose="02020603050405020304" pitchFamily="18" charset="0"/>
+                <a:cs typeface="Times New Roman" panose="02020603050405020304" pitchFamily="18" charset="0"/>
+              </a:rPr>
+              <a:t>does’t need to match the </a:t>
+            </a:r>
+            <a:r>
+              <a:rPr lang="en-US" sz="2400">
+                <a:latin typeface="Times New Roman" panose="02020603050405020304" pitchFamily="18" charset="0"/>
+                <a:cs typeface="Times New Roman" panose="02020603050405020304" pitchFamily="18" charset="0"/>
+              </a:rPr>
+              <a:t>type </a:t>
+            </a:r>
+            <a:r>
+              <a:rPr lang="en-US" sz="2400">
+                <a:latin typeface="Times New Roman" panose="02020603050405020304" pitchFamily="18" charset="0"/>
+                <a:cs typeface="Times New Roman" panose="02020603050405020304" pitchFamily="18" charset="0"/>
+              </a:rPr>
+              <a:t>of </a:t>
+            </a:r>
+            <a:r>
+              <a:rPr lang="en-US" sz="2400" smtClean="0">
+                <a:latin typeface="Times New Roman" panose="02020603050405020304" pitchFamily="18" charset="0"/>
+                <a:cs typeface="Times New Roman" panose="02020603050405020304" pitchFamily="18" charset="0"/>
+              </a:rPr>
+              <a:t>data.</a:t>
+            </a:r>
+          </a:p>
+          <a:p>
+            <a:pPr lvl="1"/>
+            <a:r>
+              <a:rPr lang="en-US" sz="2400" smtClean="0">
+                <a:latin typeface="Arial" panose="020B0604020202020204" pitchFamily="34" charset="0"/>
+                <a:ea typeface="Batang" panose="02030600000101010101" pitchFamily="18" charset="-127"/>
+                <a:cs typeface="Arial" panose="020B0604020202020204" pitchFamily="34" charset="0"/>
+              </a:rPr>
+              <a:t>Exp: 		</a:t>
+            </a:r>
+            <a:r>
+              <a:rPr lang="fr-FR" sz="2400" smtClean="0">
+                <a:latin typeface="Arial" panose="020B0604020202020204" pitchFamily="34" charset="0"/>
+                <a:ea typeface="Batang" panose="02030600000101010101" pitchFamily="18" charset="-127"/>
+                <a:cs typeface="Arial" panose="020B0604020202020204" pitchFamily="34" charset="0"/>
+              </a:rPr>
+              <a:t>void</a:t>
+            </a:r>
+            <a:r>
+              <a:rPr lang="fr-FR" sz="2400">
+                <a:latin typeface="Arial" panose="020B0604020202020204" pitchFamily="34" charset="0"/>
+                <a:ea typeface="Batang" panose="02030600000101010101" pitchFamily="18" charset="-127"/>
+                <a:cs typeface="Arial" panose="020B0604020202020204" pitchFamily="34" charset="0"/>
+              </a:rPr>
+              <a:t> *p,**q;</a:t>
+            </a:r>
+            <a:br>
+              <a:rPr lang="fr-FR" sz="2400">
+                <a:latin typeface="Arial" panose="020B0604020202020204" pitchFamily="34" charset="0"/>
+                <a:ea typeface="Batang" panose="02030600000101010101" pitchFamily="18" charset="-127"/>
+                <a:cs typeface="Arial" panose="020B0604020202020204" pitchFamily="34" charset="0"/>
+              </a:rPr>
+            </a:br>
+            <a:r>
+              <a:rPr lang="fr-FR" sz="2400">
+                <a:latin typeface="Arial" panose="020B0604020202020204" pitchFamily="34" charset="0"/>
+                <a:ea typeface="Batang" panose="02030600000101010101" pitchFamily="18" charset="-127"/>
+                <a:cs typeface="Arial" panose="020B0604020202020204" pitchFamily="34" charset="0"/>
+              </a:rPr>
+              <a:t>   </a:t>
+            </a:r>
+            <a:r>
+              <a:rPr lang="fr-FR" sz="2400">
+                <a:latin typeface="Arial" panose="020B0604020202020204" pitchFamily="34" charset="0"/>
+                <a:ea typeface="Batang" panose="02030600000101010101" pitchFamily="18" charset="-127"/>
+                <a:cs typeface="Arial" panose="020B0604020202020204" pitchFamily="34" charset="0"/>
+              </a:rPr>
+              <a:t> </a:t>
+            </a:r>
+            <a:r>
+              <a:rPr lang="fr-FR" sz="2400" smtClean="0">
+                <a:latin typeface="Arial" panose="020B0604020202020204" pitchFamily="34" charset="0"/>
+                <a:ea typeface="Batang" panose="02030600000101010101" pitchFamily="18" charset="-127"/>
+                <a:cs typeface="Arial" panose="020B0604020202020204" pitchFamily="34" charset="0"/>
+              </a:rPr>
+              <a:t>			p</a:t>
+            </a:r>
+            <a:r>
+              <a:rPr lang="fr-FR" sz="2400">
+                <a:latin typeface="Arial" panose="020B0604020202020204" pitchFamily="34" charset="0"/>
+                <a:ea typeface="Batang" panose="02030600000101010101" pitchFamily="18" charset="-127"/>
+                <a:cs typeface="Arial" panose="020B0604020202020204" pitchFamily="34" charset="0"/>
+              </a:rPr>
+              <a:t>=&amp;q; </a:t>
+            </a:r>
+            <a:r>
+              <a:rPr lang="fr-FR" sz="2400">
+                <a:latin typeface="Arial" panose="020B0604020202020204" pitchFamily="34" charset="0"/>
+                <a:ea typeface="Batang" panose="02030600000101010101" pitchFamily="18" charset="-127"/>
+                <a:cs typeface="Arial" panose="020B0604020202020204" pitchFamily="34" charset="0"/>
+              </a:rPr>
+              <a:t> </a:t>
+            </a:r>
+            <a:endParaRPr lang="en-US" sz="2400">
+              <a:latin typeface="Arial" panose="020B0604020202020204" pitchFamily="34" charset="0"/>
+              <a:ea typeface="Batang" panose="02030600000101010101" pitchFamily="18" charset="-127"/>
+              <a:cs typeface="Arial" panose="020B0604020202020204" pitchFamily="34" charset="0"/>
+            </a:endParaRPr>
+          </a:p>
+        </p:txBody>
+      </p:sp>
+    </p:spTree>
+    <p:extLst>
+      <p:ext uri="{BB962C8B-B14F-4D97-AF65-F5344CB8AC3E}">
+        <p14:creationId xmlns:p14="http://schemas.microsoft.com/office/powerpoint/2010/main" val="778128465"/>
+      </p:ext>
+    </p:extLst>
+  </p:cSld>
+  <p:clrMapOvr>
+    <a:masterClrMapping/>
+  </p:clrMapOvr>
+  <p:timing>
+    <p:tnLst>
+      <p:par>
+        <p:cTn id="1" dur="indefinite" restart="never" nodeType="tmRoot"/>
+      </p:par>
+    </p:tnLst>
+  </p:timing>
+</p:sld>
+</file>
+
+<file path=ppt/slides/slide12.xml><?xml version="1.0" encoding="utf-8"?>
+<p:sld xmlns:a="http://schemas.openxmlformats.org/drawingml/2006/main" xmlns:r="http://schemas.openxmlformats.org/officeDocument/2006/relationships" xmlns:p="http://schemas.openxmlformats.org/presentationml/2006/main">
+  <p:cSld>
+    <p:spTree>
+      <p:nvGrpSpPr>
+        <p:cNvPr id="1" name=""/>
+        <p:cNvGrpSpPr/>
+        <p:nvPr/>
+      </p:nvGrpSpPr>
+      <p:grpSpPr>
+        <a:xfrm>
+          <a:off x="0" y="0"/>
+          <a:ext cx="0" cy="0"/>
+          <a:chOff x="0" y="0"/>
+          <a:chExt cx="0" cy="0"/>
+        </a:xfrm>
+      </p:grpSpPr>
+      <p:sp>
+        <p:nvSpPr>
+          <p:cNvPr id="2" name="Title 1"/>
+          <p:cNvSpPr>
+            <a:spLocks noGrp="1"/>
+          </p:cNvSpPr>
+          <p:nvPr>
+            <p:ph type="title"/>
+          </p:nvPr>
+        </p:nvSpPr>
+        <p:spPr/>
+        <p:txBody>
+          <a:bodyPr/>
+          <a:lstStyle/>
+          <a:p>
+            <a:r>
+              <a:rPr lang="en-US">
+                <a:latin typeface="Times New Roman" panose="02020603050405020304" pitchFamily="18" charset="0"/>
+                <a:cs typeface="Times New Roman" panose="02020603050405020304" pitchFamily="18" charset="0"/>
+              </a:rPr>
+              <a:t>Operations </a:t>
+            </a:r>
+            <a:r>
+              <a:rPr lang="en-US">
+                <a:latin typeface="Times New Roman" panose="02020603050405020304" pitchFamily="18" charset="0"/>
+                <a:cs typeface="Times New Roman" panose="02020603050405020304" pitchFamily="18" charset="0"/>
+              </a:rPr>
+              <a:t>on </a:t>
+            </a:r>
+            <a:r>
+              <a:rPr lang="en-US" smtClean="0">
+                <a:latin typeface="Times New Roman" panose="02020603050405020304" pitchFamily="18" charset="0"/>
+                <a:cs typeface="Times New Roman" panose="02020603050405020304" pitchFamily="18" charset="0"/>
+              </a:rPr>
+              <a:t>Pointers (cont)</a:t>
+            </a:r>
+            <a:endParaRPr lang="en-US"/>
+          </a:p>
+        </p:txBody>
+      </p:sp>
+      <p:sp>
+        <p:nvSpPr>
+          <p:cNvPr id="3" name="Content Placeholder 2"/>
+          <p:cNvSpPr>
+            <a:spLocks noGrp="1"/>
+          </p:cNvSpPr>
+          <p:nvPr>
+            <p:ph idx="1"/>
+          </p:nvPr>
+        </p:nvSpPr>
+        <p:spPr/>
+        <p:txBody>
+          <a:bodyPr>
+            <a:normAutofit fontScale="92500" lnSpcReduction="20000"/>
+          </a:bodyPr>
+          <a:lstStyle/>
+          <a:p>
+            <a:r>
+              <a:rPr lang="en-US" sz="2400" b="1" smtClean="0">
+                <a:latin typeface="Times New Roman" panose="02020603050405020304" pitchFamily="18" charset="0"/>
+                <a:cs typeface="Times New Roman" panose="02020603050405020304" pitchFamily="18" charset="0"/>
+              </a:rPr>
+              <a:t>b. Comparisons</a:t>
+            </a:r>
+          </a:p>
+          <a:p>
+            <a:r>
+              <a:rPr lang="en-US" sz="2400" b="1" smtClean="0">
+                <a:latin typeface="Times New Roman" panose="02020603050405020304" pitchFamily="18" charset="0"/>
+                <a:cs typeface="Times New Roman" panose="02020603050405020304" pitchFamily="18" charset="0"/>
+              </a:rPr>
+              <a:t>- </a:t>
+            </a:r>
+            <a:r>
+              <a:rPr lang="en-US" sz="2400">
+                <a:latin typeface="Times New Roman" panose="02020603050405020304" pitchFamily="18" charset="0"/>
+                <a:cs typeface="Times New Roman" panose="02020603050405020304" pitchFamily="18" charset="0"/>
+              </a:rPr>
+              <a:t>check 2 pointers pointing to the same </a:t>
+            </a:r>
+            <a:r>
+              <a:rPr lang="en-US" sz="2400">
+                <a:latin typeface="Times New Roman" panose="02020603050405020304" pitchFamily="18" charset="0"/>
+                <a:cs typeface="Times New Roman" panose="02020603050405020304" pitchFamily="18" charset="0"/>
+              </a:rPr>
+              <a:t>memory </a:t>
+            </a:r>
+            <a:r>
+              <a:rPr lang="en-US" sz="2400" smtClean="0">
+                <a:latin typeface="Times New Roman" panose="02020603050405020304" pitchFamily="18" charset="0"/>
+                <a:cs typeface="Times New Roman" panose="02020603050405020304" pitchFamily="18" charset="0"/>
+              </a:rPr>
+              <a:t>area.</a:t>
+            </a:r>
+            <a:endParaRPr lang="en-US" sz="2400" b="1" smtClean="0">
+              <a:latin typeface="Times New Roman" panose="02020603050405020304" pitchFamily="18" charset="0"/>
+              <a:cs typeface="Times New Roman" panose="02020603050405020304" pitchFamily="18" charset="0"/>
+            </a:endParaRPr>
+          </a:p>
+          <a:p>
+            <a:r>
+              <a:rPr lang="en-US" sz="2400" b="1">
+                <a:latin typeface="Times New Roman" panose="02020603050405020304" pitchFamily="18" charset="0"/>
+                <a:cs typeface="Times New Roman" panose="02020603050405020304" pitchFamily="18" charset="0"/>
+              </a:rPr>
+              <a:t>- </a:t>
+            </a:r>
+            <a:r>
+              <a:rPr lang="en-US" sz="2400">
+                <a:latin typeface="Times New Roman" panose="02020603050405020304" pitchFamily="18" charset="0"/>
+                <a:cs typeface="Times New Roman" panose="02020603050405020304" pitchFamily="18" charset="0"/>
+              </a:rPr>
+              <a:t>check </a:t>
+            </a:r>
+            <a:r>
+              <a:rPr lang="en-US" sz="2400">
+                <a:latin typeface="Times New Roman" panose="02020603050405020304" pitchFamily="18" charset="0"/>
+                <a:cs typeface="Times New Roman" panose="02020603050405020304" pitchFamily="18" charset="0"/>
+              </a:rPr>
+              <a:t>the </a:t>
+            </a:r>
+            <a:r>
+              <a:rPr lang="en-US" sz="2400" smtClean="0">
+                <a:latin typeface="Times New Roman" panose="02020603050405020304" pitchFamily="18" charset="0"/>
+                <a:cs typeface="Times New Roman" panose="02020603050405020304" pitchFamily="18" charset="0"/>
+              </a:rPr>
+              <a:t>one pointer is </a:t>
+            </a:r>
+            <a:r>
+              <a:rPr lang="en-US" sz="2400">
+                <a:latin typeface="Times New Roman" panose="02020603050405020304" pitchFamily="18" charset="0"/>
+                <a:cs typeface="Times New Roman" panose="02020603050405020304" pitchFamily="18" charset="0"/>
+              </a:rPr>
+              <a:t>currently pointing </a:t>
+            </a:r>
+            <a:r>
+              <a:rPr lang="en-US" sz="2400">
+                <a:latin typeface="Times New Roman" panose="02020603050405020304" pitchFamily="18" charset="0"/>
+                <a:cs typeface="Times New Roman" panose="02020603050405020304" pitchFamily="18" charset="0"/>
+              </a:rPr>
+              <a:t>to </a:t>
+            </a:r>
+            <a:r>
+              <a:rPr lang="en-US" sz="2400" smtClean="0">
+                <a:latin typeface="Times New Roman" panose="02020603050405020304" pitchFamily="18" charset="0"/>
+                <a:cs typeface="Times New Roman" panose="02020603050405020304" pitchFamily="18" charset="0"/>
+              </a:rPr>
+              <a:t>NULL.</a:t>
+            </a:r>
+          </a:p>
+          <a:p>
+            <a:r>
+              <a:rPr lang="en-US" sz="2400" smtClean="0"/>
+              <a:t>- </a:t>
+            </a:r>
+            <a:r>
+              <a:rPr lang="en-US" sz="2400" smtClean="0">
+                <a:latin typeface="Times New Roman" panose="02020603050405020304" pitchFamily="18" charset="0"/>
+                <a:cs typeface="Times New Roman" panose="02020603050405020304" pitchFamily="18" charset="0"/>
+              </a:rPr>
+              <a:t>operators: &gt;, </a:t>
+            </a:r>
+            <a:r>
+              <a:rPr lang="en-US" sz="2400">
+                <a:latin typeface="Times New Roman" panose="02020603050405020304" pitchFamily="18" charset="0"/>
+                <a:cs typeface="Times New Roman" panose="02020603050405020304" pitchFamily="18" charset="0"/>
+              </a:rPr>
+              <a:t>&lt;,&gt; =, &lt;= used to check on </a:t>
+            </a:r>
+            <a:r>
+              <a:rPr lang="en-US" sz="2400">
+                <a:latin typeface="Times New Roman" panose="02020603050405020304" pitchFamily="18" charset="0"/>
+                <a:cs typeface="Times New Roman" panose="02020603050405020304" pitchFamily="18" charset="0"/>
+              </a:rPr>
+              <a:t>the </a:t>
+            </a:r>
+            <a:r>
+              <a:rPr lang="en-US" sz="2400" smtClean="0">
+                <a:latin typeface="Times New Roman" panose="02020603050405020304" pitchFamily="18" charset="0"/>
+                <a:cs typeface="Times New Roman" panose="02020603050405020304" pitchFamily="18" charset="0"/>
+              </a:rPr>
+              <a:t>high and </a:t>
+            </a:r>
+            <a:r>
+              <a:rPr lang="en-US" sz="2400">
+                <a:latin typeface="Times New Roman" panose="02020603050405020304" pitchFamily="18" charset="0"/>
+                <a:cs typeface="Times New Roman" panose="02020603050405020304" pitchFamily="18" charset="0"/>
+              </a:rPr>
+              <a:t>low between </a:t>
+            </a:r>
+            <a:r>
+              <a:rPr lang="en-US" sz="2400">
+                <a:latin typeface="Times New Roman" panose="02020603050405020304" pitchFamily="18" charset="0"/>
+                <a:cs typeface="Times New Roman" panose="02020603050405020304" pitchFamily="18" charset="0"/>
+              </a:rPr>
+              <a:t>2 </a:t>
+            </a:r>
+            <a:r>
+              <a:rPr lang="en-US" sz="2400" smtClean="0">
+                <a:latin typeface="Times New Roman" panose="02020603050405020304" pitchFamily="18" charset="0"/>
+                <a:cs typeface="Times New Roman" panose="02020603050405020304" pitchFamily="18" charset="0"/>
+              </a:rPr>
+              <a:t>address.</a:t>
+            </a:r>
+          </a:p>
+          <a:p>
+            <a:r>
+              <a:rPr lang="en-US" sz="2400" smtClean="0"/>
+              <a:t>- Void </a:t>
+            </a:r>
+            <a:r>
+              <a:rPr lang="en-US" sz="2400"/>
+              <a:t>pointers can be compared with all </a:t>
+            </a:r>
+            <a:r>
+              <a:rPr lang="en-US" sz="2400"/>
+              <a:t>other </a:t>
+            </a:r>
+            <a:r>
+              <a:rPr lang="en-US" sz="2400" smtClean="0"/>
+              <a:t>pointer</a:t>
+            </a:r>
+          </a:p>
+          <a:p>
+            <a:r>
+              <a:rPr lang="en-US" sz="2400" b="1" smtClean="0">
+                <a:latin typeface="Times New Roman" panose="02020603050405020304" pitchFamily="18" charset="0"/>
+                <a:cs typeface="Times New Roman" panose="02020603050405020304" pitchFamily="18" charset="0"/>
+              </a:rPr>
+              <a:t>c. </a:t>
+            </a:r>
+            <a:r>
+              <a:rPr lang="en-US" sz="2400" b="1" smtClean="0"/>
+              <a:t>Addition, subtraction, increase, decrease: </a:t>
+            </a:r>
+            <a:r>
+              <a:rPr lang="en-US" sz="2400"/>
+              <a:t>+ += - -= </a:t>
+            </a:r>
+            <a:r>
+              <a:rPr lang="en-US" sz="2400"/>
+              <a:t>++ </a:t>
+            </a:r>
+            <a:r>
+              <a:rPr lang="en-US" sz="2400" smtClean="0"/>
+              <a:t>--</a:t>
+            </a:r>
+          </a:p>
+          <a:p>
+            <a:r>
+              <a:rPr lang="en-US" sz="2400" b="1" smtClean="0"/>
+              <a:t>- </a:t>
+            </a:r>
+            <a:r>
+              <a:rPr lang="en-US" sz="2400"/>
+              <a:t>rule is</a:t>
+            </a:r>
+            <a:r>
+              <a:rPr lang="en-US" sz="2400"/>
+              <a:t> </a:t>
+            </a:r>
+            <a:r>
+              <a:rPr lang="en-US" sz="2400" smtClean="0"/>
+              <a:t>:</a:t>
+            </a:r>
+            <a:r>
+              <a:rPr lang="en-US" sz="2400"/>
+              <a:t/>
+            </a:r>
+            <a:br>
+              <a:rPr lang="en-US" sz="2400"/>
+            </a:br>
+            <a:r>
+              <a:rPr lang="en-US" sz="2400" smtClean="0"/>
+              <a:t>	p </a:t>
+            </a:r>
+            <a:r>
+              <a:rPr lang="en-US" sz="2400"/>
+              <a:t>+ 1 &gt;&gt;&gt; value contained in p + sizeof (data type of the variable that p points </a:t>
+            </a:r>
+            <a:r>
+              <a:rPr lang="en-US" sz="2400"/>
+              <a:t>to</a:t>
+            </a:r>
+            <a:r>
+              <a:rPr lang="en-US" sz="2400" smtClean="0"/>
+              <a:t>)</a:t>
+            </a:r>
+          </a:p>
+          <a:p>
+            <a:r>
+              <a:rPr lang="en-US" sz="2400" b="1" smtClean="0"/>
+              <a:t>- Note: </a:t>
+            </a:r>
+            <a:r>
+              <a:rPr lang="en-US" sz="2400"/>
+              <a:t>No increase or decrease allowed on void pointers</a:t>
+            </a:r>
+            <a:endParaRPr lang="en-US" sz="2400" b="1"/>
+          </a:p>
+        </p:txBody>
+      </p:sp>
+    </p:spTree>
+    <p:extLst>
+      <p:ext uri="{BB962C8B-B14F-4D97-AF65-F5344CB8AC3E}">
+        <p14:creationId xmlns:p14="http://schemas.microsoft.com/office/powerpoint/2010/main" val="982382578"/>
+      </p:ext>
+    </p:extLst>
+  </p:cSld>
+  <p:clrMapOvr>
+    <a:masterClrMapping/>
+  </p:clrMapOvr>
+  <p:timing>
+    <p:tnLst>
+      <p:par>
+        <p:cTn id="1" dur="indefinite" restart="never" nodeType="tmRoot"/>
+      </p:par>
+    </p:tnLst>
+  </p:timing>
+</p:sld>
+</file>
+
+<file path=ppt/slides/slide13.xml><?xml version="1.0" encoding="utf-8"?>
+<p:sld xmlns:a="http://schemas.openxmlformats.org/drawingml/2006/main" xmlns:r="http://schemas.openxmlformats.org/officeDocument/2006/relationships" xmlns:p="http://schemas.openxmlformats.org/presentationml/2006/main">
+  <p:cSld>
+    <p:spTree>
+      <p:nvGrpSpPr>
+        <p:cNvPr id="1" name=""/>
+        <p:cNvGrpSpPr/>
+        <p:nvPr/>
+      </p:nvGrpSpPr>
+      <p:grpSpPr>
+        <a:xfrm>
+          <a:off x="0" y="0"/>
+          <a:ext cx="0" cy="0"/>
+          <a:chOff x="0" y="0"/>
+          <a:chExt cx="0" cy="0"/>
+        </a:xfrm>
+      </p:grpSpPr>
+      <p:sp>
+        <p:nvSpPr>
+          <p:cNvPr id="2" name="Title 1"/>
+          <p:cNvSpPr>
+            <a:spLocks noGrp="1"/>
+          </p:cNvSpPr>
+          <p:nvPr>
+            <p:ph type="title"/>
+          </p:nvPr>
+        </p:nvSpPr>
+        <p:spPr/>
+        <p:txBody>
+          <a:bodyPr/>
+          <a:lstStyle/>
+          <a:p>
+            <a:endParaRPr lang="en-US"/>
+          </a:p>
+        </p:txBody>
+      </p:sp>
+      <p:sp>
+        <p:nvSpPr>
+          <p:cNvPr id="3" name="Content Placeholder 2"/>
+          <p:cNvSpPr>
+            <a:spLocks noGrp="1"/>
+          </p:cNvSpPr>
+          <p:nvPr>
+            <p:ph idx="1"/>
+          </p:nvPr>
+        </p:nvSpPr>
+        <p:spPr/>
+        <p:txBody>
+          <a:bodyPr/>
+          <a:lstStyle/>
+          <a:p>
+            <a:endParaRPr lang="en-US"/>
+          </a:p>
+        </p:txBody>
+      </p:sp>
+    </p:spTree>
+    <p:extLst>
+      <p:ext uri="{BB962C8B-B14F-4D97-AF65-F5344CB8AC3E}">
+        <p14:creationId xmlns:p14="http://schemas.microsoft.com/office/powerpoint/2010/main" val="775303057"/>
+      </p:ext>
+    </p:extLst>
+  </p:cSld>
+  <p:clrMapOvr>
+    <a:masterClrMapping/>
+  </p:clrMapOvr>
+</p:sld>
+</file>
+
 <file path=ppt/slides/slide2.xml><?xml version="1.0" encoding="utf-8"?>
 <p:sld xmlns:a="http://schemas.openxmlformats.org/drawingml/2006/main" xmlns:r="http://schemas.openxmlformats.org/officeDocument/2006/relationships" xmlns:p="http://schemas.openxmlformats.org/presentationml/2006/main">
   <p:cSld>
@@ -4777,66 +6372,45 @@
                 <a:latin typeface="Times New Roman" panose="02020603050405020304" pitchFamily="18" charset="0"/>
                 <a:cs typeface="Times New Roman" panose="02020603050405020304" pitchFamily="18" charset="0"/>
               </a:rPr>
-              <a:t>created by the </a:t>
+              <a:t>created by the memory </a:t>
+            </a:r>
+            <a:r>
+              <a:rPr lang="en-US" sz="2800" smtClean="0">
+                <a:latin typeface="Times New Roman" panose="02020603050405020304" pitchFamily="18" charset="0"/>
+                <a:cs typeface="Times New Roman" panose="02020603050405020304" pitchFamily="18" charset="0"/>
+              </a:rPr>
+              <a:t>management </a:t>
             </a:r>
             <a:r>
               <a:rPr lang="en-US" sz="2800">
                 <a:latin typeface="Times New Roman" panose="02020603050405020304" pitchFamily="18" charset="0"/>
                 <a:cs typeface="Times New Roman" panose="02020603050405020304" pitchFamily="18" charset="0"/>
               </a:rPr>
-              <a:t>memory </a:t>
+              <a:t>to support interaction between hardware </a:t>
             </a:r>
             <a:r>
               <a:rPr lang="en-US" sz="2800" smtClean="0">
                 <a:latin typeface="Times New Roman" panose="02020603050405020304" pitchFamily="18" charset="0"/>
                 <a:cs typeface="Times New Roman" panose="02020603050405020304" pitchFamily="18" charset="0"/>
               </a:rPr>
-              <a:t>management </a:t>
+              <a:t>and software.</a:t>
+            </a:r>
+          </a:p>
+          <a:p>
+            <a:pPr algn="just"/>
+            <a:r>
+              <a:rPr lang="en-US" sz="2800" smtClean="0">
+                <a:latin typeface="Times New Roman" panose="02020603050405020304" pitchFamily="18" charset="0"/>
+                <a:cs typeface="Times New Roman" panose="02020603050405020304" pitchFamily="18" charset="0"/>
+              </a:rPr>
+              <a:t>- </a:t>
             </a:r>
             <a:r>
               <a:rPr lang="en-US" sz="2800">
                 <a:latin typeface="Times New Roman" panose="02020603050405020304" pitchFamily="18" charset="0"/>
                 <a:cs typeface="Times New Roman" panose="02020603050405020304" pitchFamily="18" charset="0"/>
               </a:rPr>
-              <a:t>to support interaction between </a:t>
-            </a:r>
-            <a:r>
-              <a:rPr lang="en-US" sz="2800">
-                <a:latin typeface="Times New Roman" panose="02020603050405020304" pitchFamily="18" charset="0"/>
-                <a:cs typeface="Times New Roman" panose="02020603050405020304" pitchFamily="18" charset="0"/>
-              </a:rPr>
-              <a:t>hardware </a:t>
-            </a:r>
-            <a:r>
-              <a:rPr lang="en-US" sz="2800" smtClean="0">
-                <a:latin typeface="Times New Roman" panose="02020603050405020304" pitchFamily="18" charset="0"/>
-                <a:cs typeface="Times New Roman" panose="02020603050405020304" pitchFamily="18" charset="0"/>
-              </a:rPr>
-              <a:t>and software.</a:t>
-            </a:r>
-          </a:p>
-          <a:p>
-            <a:pPr algn="just"/>
-            <a:r>
-              <a:rPr lang="en-US" sz="2800" smtClean="0">
-                <a:latin typeface="Times New Roman" panose="02020603050405020304" pitchFamily="18" charset="0"/>
-                <a:cs typeface="Times New Roman" panose="02020603050405020304" pitchFamily="18" charset="0"/>
-              </a:rPr>
-              <a:t>- </a:t>
-            </a:r>
-            <a:r>
-              <a:rPr lang="en-US" sz="2800">
-                <a:latin typeface="Times New Roman" panose="02020603050405020304" pitchFamily="18" charset="0"/>
-                <a:cs typeface="Times New Roman" panose="02020603050405020304" pitchFamily="18" charset="0"/>
-              </a:rPr>
-              <a:t>In computer systems, virtual memory is a technique that allows an application program that it is a great memory to have a </a:t>
-            </a:r>
-            <a:r>
-              <a:rPr lang="en-US" sz="2800">
-                <a:latin typeface="Times New Roman" panose="02020603050405020304" pitchFamily="18" charset="0"/>
-                <a:cs typeface="Times New Roman" panose="02020603050405020304" pitchFamily="18" charset="0"/>
-              </a:rPr>
-              <a:t>continuous </a:t>
+              <a:t>In computer systems, virtual memory is a technique that allows an application program that it is a great memory to have a continuous </a:t>
             </a:r>
             <a:r>
               <a:rPr lang="en-US" sz="2800" smtClean="0">
@@ -4878,14 +6452,7 @@
                 <a:latin typeface="Times New Roman" panose="02020603050405020304" pitchFamily="18" charset="0"/>
                 <a:cs typeface="Times New Roman" panose="02020603050405020304" pitchFamily="18" charset="0"/>
               </a:rPr>
-              <a:t>easier and use physical memory more </a:t>
-            </a:r>
-            <a:r>
-              <a:rPr lang="en-US" sz="2800">
-                <a:latin typeface="Times New Roman" panose="02020603050405020304" pitchFamily="18" charset="0"/>
-                <a:cs typeface="Times New Roman" panose="02020603050405020304" pitchFamily="18" charset="0"/>
-              </a:rPr>
-              <a:t>efficiently</a:t>
+              <a:t>easier and use physical memory more efficiently</a:t>
             </a:r>
             <a:r>
               <a:rPr lang="en-US" sz="2800" smtClean="0">
@@ -5009,21 +6576,52 @@
                 <a:latin typeface="Times New Roman" panose="02020603050405020304" pitchFamily="18" charset="0"/>
                 <a:cs typeface="Times New Roman" panose="02020603050405020304" pitchFamily="18" charset="0"/>
               </a:rPr>
-              <a:t>a normal </a:t>
+              <a:t>a normal integer </a:t>
+            </a:r>
+            <a:r>
+              <a:rPr lang="en-US" sz="2800" smtClean="0">
+                <a:latin typeface="Times New Roman" panose="02020603050405020304" pitchFamily="18" charset="0"/>
+                <a:cs typeface="Times New Roman" panose="02020603050405020304" pitchFamily="18" charset="0"/>
+              </a:rPr>
+              <a:t>variable.</a:t>
+            </a:r>
+          </a:p>
+          <a:p>
+            <a:pPr algn="just"/>
+            <a:r>
+              <a:rPr lang="en-US" sz="2800" smtClean="0">
+                <a:latin typeface="Times New Roman" panose="02020603050405020304" pitchFamily="18" charset="0"/>
+                <a:cs typeface="Times New Roman" panose="02020603050405020304" pitchFamily="18" charset="0"/>
+              </a:rPr>
+              <a:t>- It </a:t>
             </a:r>
             <a:r>
               <a:rPr lang="en-US" sz="2800">
                 <a:latin typeface="Times New Roman" panose="02020603050405020304" pitchFamily="18" charset="0"/>
                 <a:cs typeface="Times New Roman" panose="02020603050405020304" pitchFamily="18" charset="0"/>
               </a:rPr>
-              <a:t>integer </a:t>
+              <a:t>contains so-called virtual address which </a:t>
             </a:r>
             <a:r>
               <a:rPr lang="en-US" sz="2800" smtClean="0">
                 <a:latin typeface="Times New Roman" panose="02020603050405020304" pitchFamily="18" charset="0"/>
                 <a:cs typeface="Times New Roman" panose="02020603050405020304" pitchFamily="18" charset="0"/>
               </a:rPr>
-              <a:t>variable.</a:t>
+              <a:t>we </a:t>
+            </a:r>
+            <a:r>
+              <a:rPr lang="en-US" sz="2800">
+                <a:latin typeface="Times New Roman" panose="02020603050405020304" pitchFamily="18" charset="0"/>
+                <a:cs typeface="Times New Roman" panose="02020603050405020304" pitchFamily="18" charset="0"/>
+              </a:rPr>
+              <a:t>have said </a:t>
+            </a:r>
+            <a:r>
+              <a:rPr lang="en-US" sz="2800" smtClean="0">
+                <a:latin typeface="Times New Roman" panose="02020603050405020304" pitchFamily="18" charset="0"/>
+                <a:cs typeface="Times New Roman" panose="02020603050405020304" pitchFamily="18" charset="0"/>
+              </a:rPr>
+              <a:t>above.</a:t>
             </a:r>
           </a:p>
           <a:p>
@@ -5033,94 +6631,105 @@
                 <a:latin typeface="Times New Roman" panose="02020603050405020304" pitchFamily="18" charset="0"/>
                 <a:cs typeface="Times New Roman" panose="02020603050405020304" pitchFamily="18" charset="0"/>
               </a:rPr>
-              <a:t>- It </a:t>
+              <a:t>- In </a:t>
             </a:r>
             <a:r>
               <a:rPr lang="en-US" sz="2800">
                 <a:latin typeface="Times New Roman" panose="02020603050405020304" pitchFamily="18" charset="0"/>
                 <a:cs typeface="Times New Roman" panose="02020603050405020304" pitchFamily="18" charset="0"/>
               </a:rPr>
-              <a:t>contains so-called virtual address </a:t>
+              <a:t>32bit </a:t>
+            </a:r>
+            <a:r>
+              <a:rPr lang="en-US" sz="2800" smtClean="0">
+                <a:latin typeface="Times New Roman" panose="02020603050405020304" pitchFamily="18" charset="0"/>
+                <a:cs typeface="Times New Roman" panose="02020603050405020304" pitchFamily="18" charset="0"/>
+              </a:rPr>
+              <a:t>OS</a:t>
             </a:r>
             <a:r>
               <a:rPr lang="en-US" sz="2800">
                 <a:latin typeface="Times New Roman" panose="02020603050405020304" pitchFamily="18" charset="0"/>
                 <a:cs typeface="Times New Roman" panose="02020603050405020304" pitchFamily="18" charset="0"/>
               </a:rPr>
-              <a:t>which </a:t>
+              <a:t>, it has a length of 32 </a:t>
             </a:r>
             <a:r>
               <a:rPr lang="en-US" sz="2800" smtClean="0">
                 <a:latin typeface="Times New Roman" panose="02020603050405020304" pitchFamily="18" charset="0"/>
                 <a:cs typeface="Times New Roman" panose="02020603050405020304" pitchFamily="18" charset="0"/>
               </a:rPr>
-              <a:t>we </a:t>
+              <a:t>bits.</a:t>
+            </a:r>
+          </a:p>
+          <a:p>
+            <a:pPr algn="just">
+              <a:lnSpc>
+                <a:spcPct val="100000"/>
+              </a:lnSpc>
+            </a:pPr>
+            <a:r>
+              <a:rPr lang="en-US" sz="2800" smtClean="0">
+                <a:latin typeface="Times New Roman" panose="02020603050405020304" pitchFamily="18" charset="0"/>
+                <a:cs typeface="Times New Roman" panose="02020603050405020304" pitchFamily="18" charset="0"/>
+              </a:rPr>
+              <a:t>- </a:t>
             </a:r>
             <a:r>
               <a:rPr lang="en-US" sz="2800">
                 <a:latin typeface="Times New Roman" panose="02020603050405020304" pitchFamily="18" charset="0"/>
                 <a:cs typeface="Times New Roman" panose="02020603050405020304" pitchFamily="18" charset="0"/>
               </a:rPr>
-              <a:t>have </a:t>
+              <a:t>P</a:t>
+            </a:r>
+            <a:r>
+              <a:rPr lang="en-US" sz="2800" smtClean="0">
+                <a:latin typeface="Times New Roman" panose="02020603050405020304" pitchFamily="18" charset="0"/>
+                <a:cs typeface="Times New Roman" panose="02020603050405020304" pitchFamily="18" charset="0"/>
+              </a:rPr>
+              <a:t>ointer </a:t>
             </a:r>
             <a:r>
               <a:rPr lang="en-US" sz="2800">
                 <a:latin typeface="Times New Roman" panose="02020603050405020304" pitchFamily="18" charset="0"/>
                 <a:cs typeface="Times New Roman" panose="02020603050405020304" pitchFamily="18" charset="0"/>
               </a:rPr>
-              <a:t>said </a:t>
+              <a:t>is one tool, is one type of </a:t>
             </a:r>
             <a:r>
               <a:rPr lang="en-US" sz="2800" smtClean="0">
                 <a:latin typeface="Times New Roman" panose="02020603050405020304" pitchFamily="18" charset="0"/>
                 <a:cs typeface="Times New Roman" panose="02020603050405020304" pitchFamily="18" charset="0"/>
               </a:rPr>
-              <a:t>above.</a:t>
-            </a:r>
-          </a:p>
-          <a:p>
-            <a:pPr algn="just"/>
+              <a:t>data </a:t>
+            </a:r>
+            <a:r>
+              <a:rPr lang="en-US" sz="2800">
+                <a:latin typeface="Times New Roman" panose="02020603050405020304" pitchFamily="18" charset="0"/>
+                <a:cs typeface="Times New Roman" panose="02020603050405020304" pitchFamily="18" charset="0"/>
+              </a:rPr>
+              <a:t>d</a:t>
+            </a:r>
             <a:r>
               <a:rPr lang="en-US" sz="2800" smtClean="0">
                 <a:latin typeface="Times New Roman" panose="02020603050405020304" pitchFamily="18" charset="0"/>
                 <a:cs typeface="Times New Roman" panose="02020603050405020304" pitchFamily="18" charset="0"/>
               </a:rPr>
-              <a:t>- In </a:t>
+              <a:t>o we can </a:t>
             </a:r>
             <a:r>
               <a:rPr lang="en-US" sz="2800">
                 <a:latin typeface="Times New Roman" panose="02020603050405020304" pitchFamily="18" charset="0"/>
                 <a:cs typeface="Times New Roman" panose="02020603050405020304" pitchFamily="18" charset="0"/>
               </a:rPr>
-              <a:t>32bit </a:t>
+              <a:t>install algorithms, not by </a:t>
             </a:r>
             <a:r>
               <a:rPr lang="en-US" sz="2800" smtClean="0">
                 <a:latin typeface="Times New Roman" panose="02020603050405020304" pitchFamily="18" charset="0"/>
                 <a:cs typeface="Times New Roman" panose="02020603050405020304" pitchFamily="18" charset="0"/>
               </a:rPr>
-              <a:t>OS</a:t>
-            </a:r>
-            <a:r>
-              <a:rPr lang="en-US" sz="2800">
-                <a:latin typeface="Times New Roman" panose="02020603050405020304" pitchFamily="18" charset="0"/>
-                <a:cs typeface="Times New Roman" panose="02020603050405020304" pitchFamily="18" charset="0"/>
-              </a:rPr>
-              <a:t>, it has a length of </a:t>
-            </a:r>
-            <a:r>
-              <a:rPr lang="en-US" sz="2800">
-                <a:latin typeface="Times New Roman" panose="02020603050405020304" pitchFamily="18" charset="0"/>
-                <a:cs typeface="Times New Roman" panose="02020603050405020304" pitchFamily="18" charset="0"/>
-              </a:rPr>
-              <a:t>32 </a:t>
-            </a:r>
-            <a:r>
-              <a:rPr lang="en-US" sz="2800" smtClean="0">
-                <a:latin typeface="Times New Roman" panose="02020603050405020304" pitchFamily="18" charset="0"/>
-                <a:cs typeface="Times New Roman" panose="02020603050405020304" pitchFamily="18" charset="0"/>
-              </a:rPr>
-              <a:t>bits.</a:t>
+              <a:t>the algorithm.</a:t>
             </a:r>
             <a:endParaRPr lang="en-US" sz="2800">
               <a:latin typeface="Times New Roman" panose="02020603050405020304" pitchFamily="18" charset="0"/>
@@ -5133,6 +6742,925 @@
     <p:extLst>
       <p:ext uri="{BB962C8B-B14F-4D97-AF65-F5344CB8AC3E}">
         <p14:creationId xmlns:p14="http://schemas.microsoft.com/office/powerpoint/2010/main" val="3967092852"/>
+      </p:ext>
+    </p:extLst>
+  </p:cSld>
+  <p:clrMapOvr>
+    <a:masterClrMapping/>
+  </p:clrMapOvr>
+  <p:timing>
+    <p:tnLst>
+      <p:par>
+        <p:cTn id="1" dur="indefinite" restart="never" nodeType="tmRoot"/>
+      </p:par>
+    </p:tnLst>
+  </p:timing>
+</p:sld>
+</file>
+
+<file path=ppt/slides/slide5.xml><?xml version="1.0" encoding="utf-8"?>
+<p:sld xmlns:a="http://schemas.openxmlformats.org/drawingml/2006/main" xmlns:r="http://schemas.openxmlformats.org/officeDocument/2006/relationships" xmlns:p="http://schemas.openxmlformats.org/presentationml/2006/main">
+  <p:cSld>
+    <p:spTree>
+      <p:nvGrpSpPr>
+        <p:cNvPr id="1" name=""/>
+        <p:cNvGrpSpPr/>
+        <p:nvPr/>
+      </p:nvGrpSpPr>
+      <p:grpSpPr>
+        <a:xfrm>
+          <a:off x="0" y="0"/>
+          <a:ext cx="0" cy="0"/>
+          <a:chOff x="0" y="0"/>
+          <a:chExt cx="0" cy="0"/>
+        </a:xfrm>
+      </p:grpSpPr>
+      <p:sp>
+        <p:nvSpPr>
+          <p:cNvPr id="2" name="Title 1"/>
+          <p:cNvSpPr>
+            <a:spLocks noGrp="1"/>
+          </p:cNvSpPr>
+          <p:nvPr>
+            <p:ph type="title"/>
+          </p:nvPr>
+        </p:nvSpPr>
+        <p:spPr/>
+        <p:txBody>
+          <a:bodyPr>
+            <a:normAutofit/>
+          </a:bodyPr>
+          <a:lstStyle/>
+          <a:p>
+            <a:r>
+              <a:rPr lang="en-US" sz="5400">
+                <a:latin typeface="Times New Roman" panose="02020603050405020304" pitchFamily="18" charset="0"/>
+                <a:cs typeface="Times New Roman" panose="02020603050405020304" pitchFamily="18" charset="0"/>
+              </a:rPr>
+              <a:t>Declaring </a:t>
+            </a:r>
+            <a:r>
+              <a:rPr lang="en-US" sz="5400" smtClean="0">
+                <a:latin typeface="Times New Roman" panose="02020603050405020304" pitchFamily="18" charset="0"/>
+                <a:cs typeface="Times New Roman" panose="02020603050405020304" pitchFamily="18" charset="0"/>
+              </a:rPr>
+              <a:t>Pointer</a:t>
+            </a:r>
+            <a:endParaRPr lang="en-US" sz="5400">
+              <a:latin typeface="Times New Roman" panose="02020603050405020304" pitchFamily="18" charset="0"/>
+              <a:cs typeface="Times New Roman" panose="02020603050405020304" pitchFamily="18" charset="0"/>
+            </a:endParaRPr>
+          </a:p>
+        </p:txBody>
+      </p:sp>
+      <p:sp>
+        <p:nvSpPr>
+          <p:cNvPr id="3" name="Content Placeholder 2"/>
+          <p:cNvSpPr>
+            <a:spLocks noGrp="1"/>
+          </p:cNvSpPr>
+          <p:nvPr>
+            <p:ph idx="1"/>
+          </p:nvPr>
+        </p:nvSpPr>
+        <p:spPr/>
+        <p:txBody>
+          <a:bodyPr>
+            <a:normAutofit lnSpcReduction="10000"/>
+          </a:bodyPr>
+          <a:lstStyle/>
+          <a:p>
+            <a:r>
+              <a:rPr lang="en-US" smtClean="0"/>
+              <a:t>- </a:t>
+            </a:r>
+            <a:r>
+              <a:rPr lang="en-US" sz="2800">
+                <a:latin typeface="Times New Roman" panose="02020603050405020304" pitchFamily="18" charset="0"/>
+                <a:cs typeface="Times New Roman" panose="02020603050405020304" pitchFamily="18" charset="0"/>
+              </a:rPr>
+              <a:t>The </a:t>
+            </a:r>
+            <a:r>
+              <a:rPr lang="en-US" sz="2800" smtClean="0">
+                <a:latin typeface="Times New Roman" panose="02020603050405020304" pitchFamily="18" charset="0"/>
+                <a:cs typeface="Times New Roman" panose="02020603050405020304" pitchFamily="18" charset="0"/>
+              </a:rPr>
+              <a:t>declaration </a:t>
+            </a:r>
+            <a:r>
+              <a:rPr lang="en-US" sz="2800">
+                <a:latin typeface="Times New Roman" panose="02020603050405020304" pitchFamily="18" charset="0"/>
+                <a:cs typeface="Times New Roman" panose="02020603050405020304" pitchFamily="18" charset="0"/>
+              </a:rPr>
+              <a:t>of pointers follows this </a:t>
+            </a:r>
+            <a:r>
+              <a:rPr lang="en-US" sz="2800" smtClean="0">
+                <a:latin typeface="Times New Roman" panose="02020603050405020304" pitchFamily="18" charset="0"/>
+                <a:cs typeface="Times New Roman" panose="02020603050405020304" pitchFamily="18" charset="0"/>
+              </a:rPr>
+              <a:t>syntax:</a:t>
+            </a:r>
+          </a:p>
+          <a:p>
+            <a:pPr marL="90488" indent="1287463"/>
+            <a:r>
+              <a:rPr lang="en-US" sz="2800" b="1"/>
+              <a:t>d</a:t>
+            </a:r>
+            <a:r>
+              <a:rPr lang="en-US" sz="2800" b="1" smtClean="0"/>
+              <a:t>atatype *pointer_variable_name;</a:t>
+            </a:r>
+          </a:p>
+          <a:p>
+            <a:pPr marL="90488" indent="0">
+              <a:buNone/>
+            </a:pPr>
+            <a:r>
+              <a:rPr lang="en-US" sz="2800" b="1">
+                <a:latin typeface="Times New Roman" panose="02020603050405020304" pitchFamily="18" charset="0"/>
+                <a:cs typeface="Times New Roman" panose="02020603050405020304" pitchFamily="18" charset="0"/>
+              </a:rPr>
+              <a:t>d</a:t>
+            </a:r>
+            <a:r>
+              <a:rPr lang="en-US" sz="2800" b="1" smtClean="0">
+                <a:latin typeface="Times New Roman" panose="02020603050405020304" pitchFamily="18" charset="0"/>
+                <a:cs typeface="Times New Roman" panose="02020603050405020304" pitchFamily="18" charset="0"/>
+              </a:rPr>
+              <a:t>atatype: </a:t>
+            </a:r>
+          </a:p>
+          <a:p>
+            <a:pPr marL="90488" indent="0">
+              <a:buNone/>
+            </a:pPr>
+            <a:r>
+              <a:rPr lang="en-US" sz="2800">
+                <a:latin typeface="Times New Roman" panose="02020603050405020304" pitchFamily="18" charset="0"/>
+                <a:cs typeface="Times New Roman" panose="02020603050405020304" pitchFamily="18" charset="0"/>
+              </a:rPr>
+              <a:t>	</a:t>
+            </a:r>
+            <a:r>
+              <a:rPr lang="en-US" sz="2800" smtClean="0">
+                <a:latin typeface="Times New Roman" panose="02020603050405020304" pitchFamily="18" charset="0"/>
+                <a:cs typeface="Times New Roman" panose="02020603050405020304" pitchFamily="18" charset="0"/>
+              </a:rPr>
+              <a:t>+ </a:t>
+            </a:r>
+            <a:r>
+              <a:rPr lang="en-US" sz="2800">
+                <a:latin typeface="Times New Roman" panose="02020603050405020304" pitchFamily="18" charset="0"/>
+                <a:cs typeface="Times New Roman" panose="02020603050405020304" pitchFamily="18" charset="0"/>
+              </a:rPr>
+              <a:t>primitive </a:t>
+            </a:r>
+            <a:r>
+              <a:rPr lang="en-US" sz="2800" smtClean="0">
+                <a:latin typeface="Times New Roman" panose="02020603050405020304" pitchFamily="18" charset="0"/>
+                <a:cs typeface="Times New Roman" panose="02020603050405020304" pitchFamily="18" charset="0"/>
+              </a:rPr>
+              <a:t>datatypes: </a:t>
+            </a:r>
+            <a:r>
+              <a:rPr lang="en-US" sz="2800"/>
+              <a:t>int , char , </a:t>
+            </a:r>
+            <a:r>
+              <a:rPr lang="en-US" sz="2800" smtClean="0"/>
+              <a:t>void, ….</a:t>
+            </a:r>
+            <a:endParaRPr lang="en-US" sz="2800">
+              <a:latin typeface="Times New Roman" panose="02020603050405020304" pitchFamily="18" charset="0"/>
+              <a:cs typeface="Times New Roman" panose="02020603050405020304" pitchFamily="18" charset="0"/>
+            </a:endParaRPr>
+          </a:p>
+          <a:p>
+            <a:pPr marL="90488" indent="0">
+              <a:buNone/>
+            </a:pPr>
+            <a:r>
+              <a:rPr lang="en-US" sz="2800">
+                <a:latin typeface="Times New Roman" panose="02020603050405020304" pitchFamily="18" charset="0"/>
+                <a:cs typeface="Times New Roman" panose="02020603050405020304" pitchFamily="18" charset="0"/>
+              </a:rPr>
+              <a:t>	</a:t>
+            </a:r>
+            <a:r>
+              <a:rPr lang="en-US" sz="2800" smtClean="0">
+                <a:latin typeface="Times New Roman" panose="02020603050405020304" pitchFamily="18" charset="0"/>
+                <a:cs typeface="Times New Roman" panose="02020603050405020304" pitchFamily="18" charset="0"/>
+              </a:rPr>
+              <a:t>+ user-defined </a:t>
+            </a:r>
+            <a:r>
+              <a:rPr lang="en-US" sz="2800">
+                <a:latin typeface="Times New Roman" panose="02020603050405020304" pitchFamily="18" charset="0"/>
+                <a:cs typeface="Times New Roman" panose="02020603050405020304" pitchFamily="18" charset="0"/>
+              </a:rPr>
+              <a:t>data </a:t>
+            </a:r>
+            <a:r>
+              <a:rPr lang="en-US" sz="2800" smtClean="0"/>
+              <a:t>type: </a:t>
+            </a:r>
+            <a:r>
+              <a:rPr lang="en-US" sz="2800"/>
+              <a:t>struct , </a:t>
+            </a:r>
+            <a:r>
+              <a:rPr lang="en-US" sz="2800" smtClean="0"/>
+              <a:t>union…</a:t>
+            </a:r>
+          </a:p>
+          <a:p>
+            <a:pPr marL="90488" indent="0">
+              <a:buNone/>
+            </a:pPr>
+            <a:r>
+              <a:rPr lang="en-US" sz="2800">
+                <a:latin typeface="Times New Roman" panose="02020603050405020304" pitchFamily="18" charset="0"/>
+                <a:cs typeface="Times New Roman" panose="02020603050405020304" pitchFamily="18" charset="0"/>
+              </a:rPr>
+              <a:t>	</a:t>
+            </a:r>
+            <a:r>
+              <a:rPr lang="en-US" sz="2800" smtClean="0">
+                <a:latin typeface="Times New Roman" panose="02020603050405020304" pitchFamily="18" charset="0"/>
+                <a:cs typeface="Times New Roman" panose="02020603050405020304" pitchFamily="18" charset="0"/>
+              </a:rPr>
+              <a:t>+ </a:t>
+            </a:r>
+            <a:r>
+              <a:rPr lang="en-US" sz="2800">
+                <a:latin typeface="Times New Roman" panose="02020603050405020304" pitchFamily="18" charset="0"/>
+                <a:cs typeface="Times New Roman" panose="02020603050405020304" pitchFamily="18" charset="0"/>
+              </a:rPr>
+              <a:t>data type is the </a:t>
+            </a:r>
+            <a:r>
+              <a:rPr lang="en-US" sz="2800" smtClean="0">
+                <a:latin typeface="Times New Roman" panose="02020603050405020304" pitchFamily="18" charset="0"/>
+                <a:cs typeface="Times New Roman" panose="02020603050405020304" pitchFamily="18" charset="0"/>
+              </a:rPr>
+              <a:t>class</a:t>
+            </a:r>
+          </a:p>
+          <a:p>
+            <a:pPr marL="90488" indent="0">
+              <a:buNone/>
+            </a:pPr>
+            <a:r>
+              <a:rPr lang="en-US" sz="2800" smtClean="0">
+                <a:latin typeface="Times New Roman" panose="02020603050405020304" pitchFamily="18" charset="0"/>
+                <a:cs typeface="Times New Roman" panose="02020603050405020304" pitchFamily="18" charset="0"/>
+              </a:rPr>
+              <a:t>- Note: </a:t>
+            </a:r>
+            <a:r>
+              <a:rPr lang="en-US" sz="2800">
+                <a:latin typeface="Times New Roman" panose="02020603050405020304" pitchFamily="18" charset="0"/>
+                <a:cs typeface="Times New Roman" panose="02020603050405020304" pitchFamily="18" charset="0"/>
+              </a:rPr>
+              <a:t>this </a:t>
+            </a:r>
+            <a:r>
+              <a:rPr lang="en-US" sz="2800" smtClean="0">
+                <a:latin typeface="Times New Roman" panose="02020603050405020304" pitchFamily="18" charset="0"/>
+                <a:cs typeface="Times New Roman" panose="02020603050405020304" pitchFamily="18" charset="0"/>
+              </a:rPr>
+              <a:t>data </a:t>
+            </a:r>
+            <a:r>
+              <a:rPr lang="en-US" sz="2800">
+                <a:latin typeface="Times New Roman" panose="02020603050405020304" pitchFamily="18" charset="0"/>
+                <a:cs typeface="Times New Roman" panose="02020603050405020304" pitchFamily="18" charset="0"/>
+              </a:rPr>
+              <a:t>type is the data type of the memory areas that point to </a:t>
+            </a:r>
+            <a:r>
+              <a:rPr lang="en-US" sz="2800" smtClean="0">
+                <a:latin typeface="Times New Roman" panose="02020603050405020304" pitchFamily="18" charset="0"/>
+                <a:cs typeface="Times New Roman" panose="02020603050405020304" pitchFamily="18" charset="0"/>
+              </a:rPr>
+              <a:t>them.</a:t>
+            </a:r>
+            <a:endParaRPr lang="en-US" sz="2800">
+              <a:latin typeface="Times New Roman" panose="02020603050405020304" pitchFamily="18" charset="0"/>
+              <a:cs typeface="Times New Roman" panose="02020603050405020304" pitchFamily="18" charset="0"/>
+            </a:endParaRPr>
+          </a:p>
+        </p:txBody>
+      </p:sp>
+    </p:spTree>
+    <p:extLst>
+      <p:ext uri="{BB962C8B-B14F-4D97-AF65-F5344CB8AC3E}">
+        <p14:creationId xmlns:p14="http://schemas.microsoft.com/office/powerpoint/2010/main" val="433247285"/>
+      </p:ext>
+    </p:extLst>
+  </p:cSld>
+  <p:clrMapOvr>
+    <a:masterClrMapping/>
+  </p:clrMapOvr>
+  <p:timing>
+    <p:tnLst>
+      <p:par>
+        <p:cTn id="1" dur="indefinite" restart="never" nodeType="tmRoot"/>
+      </p:par>
+    </p:tnLst>
+  </p:timing>
+</p:sld>
+</file>
+
+<file path=ppt/slides/slide6.xml><?xml version="1.0" encoding="utf-8"?>
+<p:sld xmlns:a="http://schemas.openxmlformats.org/drawingml/2006/main" xmlns:r="http://schemas.openxmlformats.org/officeDocument/2006/relationships" xmlns:p="http://schemas.openxmlformats.org/presentationml/2006/main">
+  <p:cSld>
+    <p:spTree>
+      <p:nvGrpSpPr>
+        <p:cNvPr id="1" name=""/>
+        <p:cNvGrpSpPr/>
+        <p:nvPr/>
+      </p:nvGrpSpPr>
+      <p:grpSpPr>
+        <a:xfrm>
+          <a:off x="0" y="0"/>
+          <a:ext cx="0" cy="0"/>
+          <a:chOff x="0" y="0"/>
+          <a:chExt cx="0" cy="0"/>
+        </a:xfrm>
+      </p:grpSpPr>
+      <p:sp>
+        <p:nvSpPr>
+          <p:cNvPr id="2" name="Title 1"/>
+          <p:cNvSpPr>
+            <a:spLocks noGrp="1"/>
+          </p:cNvSpPr>
+          <p:nvPr>
+            <p:ph type="title"/>
+          </p:nvPr>
+        </p:nvSpPr>
+        <p:spPr/>
+        <p:txBody>
+          <a:bodyPr>
+            <a:normAutofit/>
+          </a:bodyPr>
+          <a:lstStyle/>
+          <a:p>
+            <a:r>
+              <a:rPr lang="en-US" sz="5400">
+                <a:latin typeface="Times New Roman" panose="02020603050405020304" pitchFamily="18" charset="0"/>
+                <a:cs typeface="Times New Roman" panose="02020603050405020304" pitchFamily="18" charset="0"/>
+              </a:rPr>
+              <a:t>I</a:t>
+            </a:r>
+            <a:r>
+              <a:rPr lang="en-US" sz="5400" smtClean="0">
+                <a:latin typeface="Times New Roman" panose="02020603050405020304" pitchFamily="18" charset="0"/>
+                <a:cs typeface="Times New Roman" panose="02020603050405020304" pitchFamily="18" charset="0"/>
+              </a:rPr>
+              <a:t>nitialize </a:t>
+            </a:r>
+            <a:r>
+              <a:rPr lang="en-US" sz="5400">
+                <a:latin typeface="Times New Roman" panose="02020603050405020304" pitchFamily="18" charset="0"/>
+                <a:cs typeface="Times New Roman" panose="02020603050405020304" pitchFamily="18" charset="0"/>
+              </a:rPr>
+              <a:t>P</a:t>
+            </a:r>
+            <a:r>
+              <a:rPr lang="en-US" sz="5400" smtClean="0">
+                <a:latin typeface="Times New Roman" panose="02020603050405020304" pitchFamily="18" charset="0"/>
+                <a:cs typeface="Times New Roman" panose="02020603050405020304" pitchFamily="18" charset="0"/>
+              </a:rPr>
+              <a:t>ointer</a:t>
+            </a:r>
+            <a:endParaRPr lang="en-US" sz="5400">
+              <a:latin typeface="Times New Roman" panose="02020603050405020304" pitchFamily="18" charset="0"/>
+              <a:cs typeface="Times New Roman" panose="02020603050405020304" pitchFamily="18" charset="0"/>
+            </a:endParaRPr>
+          </a:p>
+        </p:txBody>
+      </p:sp>
+      <p:sp>
+        <p:nvSpPr>
+          <p:cNvPr id="3" name="Content Placeholder 2"/>
+          <p:cNvSpPr>
+            <a:spLocks noGrp="1"/>
+          </p:cNvSpPr>
+          <p:nvPr>
+            <p:ph idx="1"/>
+          </p:nvPr>
+        </p:nvSpPr>
+        <p:spPr/>
+        <p:txBody>
+          <a:bodyPr>
+            <a:normAutofit fontScale="85000" lnSpcReduction="20000"/>
+          </a:bodyPr>
+          <a:lstStyle/>
+          <a:p>
+            <a:r>
+              <a:rPr lang="en-US" sz="2800" smtClean="0">
+                <a:latin typeface="Times New Roman" panose="02020603050405020304" pitchFamily="18" charset="0"/>
+                <a:cs typeface="Times New Roman" panose="02020603050405020304" pitchFamily="18" charset="0"/>
+              </a:rPr>
+              <a:t>- Initialize </a:t>
+            </a:r>
+            <a:r>
+              <a:rPr lang="en-US" sz="2800">
+                <a:latin typeface="Times New Roman" panose="02020603050405020304" pitchFamily="18" charset="0"/>
+                <a:cs typeface="Times New Roman" panose="02020603050405020304" pitchFamily="18" charset="0"/>
+              </a:rPr>
+              <a:t>p</a:t>
+            </a:r>
+            <a:r>
+              <a:rPr lang="en-US" sz="2800" smtClean="0">
+                <a:latin typeface="Times New Roman" panose="02020603050405020304" pitchFamily="18" charset="0"/>
+                <a:cs typeface="Times New Roman" panose="02020603050405020304" pitchFamily="18" charset="0"/>
+              </a:rPr>
+              <a:t>ointer follows </a:t>
+            </a:r>
+            <a:r>
+              <a:rPr lang="en-US" sz="2800">
+                <a:latin typeface="Times New Roman" panose="02020603050405020304" pitchFamily="18" charset="0"/>
+                <a:cs typeface="Times New Roman" panose="02020603050405020304" pitchFamily="18" charset="0"/>
+              </a:rPr>
+              <a:t>this </a:t>
+            </a:r>
+            <a:r>
+              <a:rPr lang="en-US" sz="2800" smtClean="0">
+                <a:latin typeface="Times New Roman" panose="02020603050405020304" pitchFamily="18" charset="0"/>
+                <a:cs typeface="Times New Roman" panose="02020603050405020304" pitchFamily="18" charset="0"/>
+              </a:rPr>
+              <a:t>syntax:</a:t>
+            </a:r>
+          </a:p>
+          <a:p>
+            <a:pPr marL="90488" indent="1162050"/>
+            <a:r>
+              <a:rPr lang="en-US" sz="2800" b="1" smtClean="0">
+                <a:latin typeface="Times New Roman" panose="02020603050405020304" pitchFamily="18" charset="0"/>
+                <a:cs typeface="Times New Roman" panose="02020603050405020304" pitchFamily="18" charset="0"/>
+              </a:rPr>
+              <a:t>pointer_variable_name = address;</a:t>
+            </a:r>
+          </a:p>
+          <a:p>
+            <a:pPr marL="90488" indent="0">
+              <a:buNone/>
+            </a:pPr>
+            <a:r>
+              <a:rPr lang="en-US" sz="2800" smtClean="0">
+                <a:latin typeface="Times New Roman" panose="02020603050405020304" pitchFamily="18" charset="0"/>
+                <a:cs typeface="Times New Roman" panose="02020603050405020304" pitchFamily="18" charset="0"/>
+              </a:rPr>
+              <a:t>Examp:</a:t>
+            </a:r>
+          </a:p>
+          <a:p>
+            <a:pPr marL="90488" indent="0">
+              <a:buNone/>
+            </a:pPr>
+            <a:r>
+              <a:rPr lang="en-US" sz="2800">
+                <a:latin typeface="Times New Roman" panose="02020603050405020304" pitchFamily="18" charset="0"/>
+                <a:cs typeface="Times New Roman" panose="02020603050405020304" pitchFamily="18" charset="0"/>
+              </a:rPr>
+              <a:t>	</a:t>
+            </a:r>
+            <a:r>
+              <a:rPr lang="en-US" sz="2800" smtClean="0">
+                <a:latin typeface="Times New Roman" panose="02020603050405020304" pitchFamily="18" charset="0"/>
+                <a:cs typeface="Times New Roman" panose="02020603050405020304" pitchFamily="18" charset="0"/>
+              </a:rPr>
+              <a:t>int *p, a;</a:t>
+            </a:r>
+          </a:p>
+          <a:p>
+            <a:pPr marL="90488" indent="0">
+              <a:buNone/>
+            </a:pPr>
+            <a:r>
+              <a:rPr lang="en-US" sz="2800">
+                <a:latin typeface="Times New Roman" panose="02020603050405020304" pitchFamily="18" charset="0"/>
+                <a:cs typeface="Times New Roman" panose="02020603050405020304" pitchFamily="18" charset="0"/>
+              </a:rPr>
+              <a:t>	</a:t>
+            </a:r>
+            <a:r>
+              <a:rPr lang="en-US" sz="2800" smtClean="0">
+                <a:latin typeface="Times New Roman" panose="02020603050405020304" pitchFamily="18" charset="0"/>
+                <a:cs typeface="Times New Roman" panose="02020603050405020304" pitchFamily="18" charset="0"/>
+              </a:rPr>
+              <a:t>p = &amp;a;</a:t>
+            </a:r>
+          </a:p>
+          <a:p>
+            <a:pPr marL="90488" indent="0">
+              <a:buNone/>
+            </a:pPr>
+            <a:r>
+              <a:rPr lang="en-US" sz="2800" smtClean="0">
+                <a:latin typeface="Times New Roman" panose="02020603050405020304" pitchFamily="18" charset="0"/>
+                <a:cs typeface="Times New Roman" panose="02020603050405020304" pitchFamily="18" charset="0"/>
+              </a:rPr>
+              <a:t>- Is </a:t>
+            </a:r>
+            <a:r>
+              <a:rPr lang="en-US" sz="2800">
+                <a:latin typeface="Times New Roman" panose="02020603050405020304" pitchFamily="18" charset="0"/>
+                <a:cs typeface="Times New Roman" panose="02020603050405020304" pitchFamily="18" charset="0"/>
+              </a:rPr>
+              <a:t>there something after initialization</a:t>
+            </a:r>
+            <a:r>
+              <a:rPr lang="en-US" sz="2800" smtClean="0">
+                <a:latin typeface="Times New Roman" panose="02020603050405020304" pitchFamily="18" charset="0"/>
+                <a:cs typeface="Times New Roman" panose="02020603050405020304" pitchFamily="18" charset="0"/>
+              </a:rPr>
+              <a:t>?</a:t>
+            </a:r>
+          </a:p>
+          <a:p>
+            <a:pPr marL="547688" indent="-457200">
+              <a:buFontTx/>
+              <a:buChar char="-"/>
+            </a:pPr>
+            <a:r>
+              <a:rPr lang="en-US" sz="2800" smtClean="0">
+                <a:latin typeface="Times New Roman" panose="02020603050405020304" pitchFamily="18" charset="0"/>
+                <a:cs typeface="Times New Roman" panose="02020603050405020304" pitchFamily="18" charset="0"/>
+              </a:rPr>
+              <a:t>+ </a:t>
+            </a:r>
+            <a:r>
+              <a:rPr lang="en-US" sz="2800">
+                <a:latin typeface="Times New Roman" panose="02020603050405020304" pitchFamily="18" charset="0"/>
+                <a:cs typeface="Times New Roman" panose="02020603050405020304" pitchFamily="18" charset="0"/>
+              </a:rPr>
+              <a:t>p </a:t>
+            </a:r>
+            <a:r>
+              <a:rPr lang="en-US" sz="2800" smtClean="0">
+                <a:latin typeface="Times New Roman" panose="02020603050405020304" pitchFamily="18" charset="0"/>
+                <a:cs typeface="Times New Roman" panose="02020603050405020304" pitchFamily="18" charset="0"/>
+              </a:rPr>
+              <a:t>will contain </a:t>
+            </a:r>
+            <a:r>
+              <a:rPr lang="en-US" sz="2800">
+                <a:latin typeface="Times New Roman" panose="02020603050405020304" pitchFamily="18" charset="0"/>
+                <a:cs typeface="Times New Roman" panose="02020603050405020304" pitchFamily="18" charset="0"/>
+              </a:rPr>
+              <a:t>the address of </a:t>
+            </a:r>
+            <a:r>
+              <a:rPr lang="en-US" sz="2800" smtClean="0">
+                <a:latin typeface="Times New Roman" panose="02020603050405020304" pitchFamily="18" charset="0"/>
+                <a:cs typeface="Times New Roman" panose="02020603050405020304" pitchFamily="18" charset="0"/>
+              </a:rPr>
+              <a:t>a.</a:t>
+            </a:r>
+          </a:p>
+          <a:p>
+            <a:pPr marL="547688" indent="-457200">
+              <a:buFontTx/>
+              <a:buChar char="-"/>
+            </a:pPr>
+            <a:r>
+              <a:rPr lang="en-US" sz="2800" smtClean="0">
+                <a:latin typeface="Times New Roman" panose="02020603050405020304" pitchFamily="18" charset="0"/>
+                <a:cs typeface="Times New Roman" panose="02020603050405020304" pitchFamily="18" charset="0"/>
+              </a:rPr>
+              <a:t>+ *p </a:t>
+            </a:r>
+            <a:r>
+              <a:rPr lang="en-US" sz="2800" smtClean="0">
+                <a:latin typeface="Times New Roman" panose="02020603050405020304" pitchFamily="18" charset="0"/>
+                <a:cs typeface="Times New Roman" panose="02020603050405020304" pitchFamily="18" charset="0"/>
+                <a:sym typeface="Wingdings" panose="05000000000000000000" pitchFamily="2" charset="2"/>
+              </a:rPr>
+              <a:t> </a:t>
+            </a:r>
+            <a:r>
+              <a:rPr lang="en-US" sz="2800" smtClean="0">
+                <a:latin typeface="Times New Roman" panose="02020603050405020304" pitchFamily="18" charset="0"/>
+                <a:cs typeface="Times New Roman" panose="02020603050405020304" pitchFamily="18" charset="0"/>
+              </a:rPr>
+              <a:t>a or *p is alias of a.</a:t>
+            </a:r>
+          </a:p>
+          <a:p>
+            <a:pPr marL="547688" indent="-457200">
+              <a:buFontTx/>
+              <a:buChar char="-"/>
+            </a:pPr>
+            <a:r>
+              <a:rPr lang="en-US" sz="2800" smtClean="0">
+                <a:latin typeface="Times New Roman" panose="02020603050405020304" pitchFamily="18" charset="0"/>
+                <a:cs typeface="Times New Roman" panose="02020603050405020304" pitchFamily="18" charset="0"/>
+              </a:rPr>
+              <a:t>+ </a:t>
+            </a:r>
+            <a:r>
+              <a:rPr lang="en-US" sz="2800">
+                <a:latin typeface="Times New Roman" panose="02020603050405020304" pitchFamily="18" charset="0"/>
+                <a:cs typeface="Times New Roman" panose="02020603050405020304" pitchFamily="18" charset="0"/>
+              </a:rPr>
+              <a:t>manipulating * p as well as manipulating </a:t>
+            </a:r>
+            <a:r>
+              <a:rPr lang="en-US" sz="2800" smtClean="0">
+                <a:latin typeface="Times New Roman" panose="02020603050405020304" pitchFamily="18" charset="0"/>
+                <a:cs typeface="Times New Roman" panose="02020603050405020304" pitchFamily="18" charset="0"/>
+              </a:rPr>
+              <a:t>a</a:t>
+            </a:r>
+          </a:p>
+          <a:p>
+            <a:pPr marL="90488" indent="0">
+              <a:buNone/>
+            </a:pPr>
+            <a:endParaRPr lang="en-US" sz="2800"/>
+          </a:p>
+        </p:txBody>
+      </p:sp>
+    </p:spTree>
+    <p:extLst>
+      <p:ext uri="{BB962C8B-B14F-4D97-AF65-F5344CB8AC3E}">
+        <p14:creationId xmlns:p14="http://schemas.microsoft.com/office/powerpoint/2010/main" val="3886477316"/>
+      </p:ext>
+    </p:extLst>
+  </p:cSld>
+  <p:clrMapOvr>
+    <a:masterClrMapping/>
+  </p:clrMapOvr>
+  <p:timing>
+    <p:tnLst>
+      <p:par>
+        <p:cTn id="1" dur="indefinite" restart="never" nodeType="tmRoot"/>
+      </p:par>
+    </p:tnLst>
+  </p:timing>
+</p:sld>
+</file>
+
+<file path=ppt/slides/slide7.xml><?xml version="1.0" encoding="utf-8"?>
+<p:sld xmlns:a="http://schemas.openxmlformats.org/drawingml/2006/main" xmlns:r="http://schemas.openxmlformats.org/officeDocument/2006/relationships" xmlns:p="http://schemas.openxmlformats.org/presentationml/2006/main">
+  <p:cSld>
+    <p:spTree>
+      <p:nvGrpSpPr>
+        <p:cNvPr id="1" name=""/>
+        <p:cNvGrpSpPr/>
+        <p:nvPr/>
+      </p:nvGrpSpPr>
+      <p:grpSpPr>
+        <a:xfrm>
+          <a:off x="0" y="0"/>
+          <a:ext cx="0" cy="0"/>
+          <a:chOff x="0" y="0"/>
+          <a:chExt cx="0" cy="0"/>
+        </a:xfrm>
+      </p:grpSpPr>
+      <p:sp>
+        <p:nvSpPr>
+          <p:cNvPr id="2" name="Title 1"/>
+          <p:cNvSpPr>
+            <a:spLocks noGrp="1"/>
+          </p:cNvSpPr>
+          <p:nvPr>
+            <p:ph type="title"/>
+          </p:nvPr>
+        </p:nvSpPr>
+        <p:spPr/>
+        <p:txBody>
+          <a:bodyPr/>
+          <a:lstStyle/>
+          <a:p>
+            <a:r>
+              <a:rPr lang="en-US">
+                <a:latin typeface="Times New Roman" panose="02020603050405020304" pitchFamily="18" charset="0"/>
+                <a:cs typeface="Times New Roman" panose="02020603050405020304" pitchFamily="18" charset="0"/>
+              </a:rPr>
+              <a:t>Initialize </a:t>
+            </a:r>
+            <a:r>
+              <a:rPr lang="en-US" smtClean="0">
+                <a:latin typeface="Times New Roman" panose="02020603050405020304" pitchFamily="18" charset="0"/>
+                <a:cs typeface="Times New Roman" panose="02020603050405020304" pitchFamily="18" charset="0"/>
+              </a:rPr>
+              <a:t>Pointer (cont)</a:t>
+            </a:r>
+            <a:endParaRPr lang="en-US"/>
+          </a:p>
+        </p:txBody>
+      </p:sp>
+      <p:pic>
+        <p:nvPicPr>
+          <p:cNvPr id="4" name="Picture 3"/>
+          <p:cNvPicPr>
+            <a:picLocks noChangeAspect="1"/>
+          </p:cNvPicPr>
+          <p:nvPr/>
+        </p:nvPicPr>
+        <p:blipFill>
+          <a:blip r:embed="rId2"/>
+          <a:stretch>
+            <a:fillRect/>
+          </a:stretch>
+        </p:blipFill>
+        <p:spPr>
+          <a:xfrm>
+            <a:off x="822960" y="1849902"/>
+            <a:ext cx="7543800" cy="4396153"/>
+          </a:xfrm>
+          <a:prstGeom prst="rect">
+            <a:avLst/>
+          </a:prstGeom>
+        </p:spPr>
+      </p:pic>
+    </p:spTree>
+    <p:extLst>
+      <p:ext uri="{BB962C8B-B14F-4D97-AF65-F5344CB8AC3E}">
+        <p14:creationId xmlns:p14="http://schemas.microsoft.com/office/powerpoint/2010/main" val="60063525"/>
+      </p:ext>
+    </p:extLst>
+  </p:cSld>
+  <p:clrMapOvr>
+    <a:masterClrMapping/>
+  </p:clrMapOvr>
+  <p:timing>
+    <p:tnLst>
+      <p:par>
+        <p:cTn id="1" dur="indefinite" restart="never" nodeType="tmRoot"/>
+      </p:par>
+    </p:tnLst>
+  </p:timing>
+</p:sld>
+</file>
+
+<file path=ppt/slides/slide8.xml><?xml version="1.0" encoding="utf-8"?>
+<p:sld xmlns:a="http://schemas.openxmlformats.org/drawingml/2006/main" xmlns:r="http://schemas.openxmlformats.org/officeDocument/2006/relationships" xmlns:p="http://schemas.openxmlformats.org/presentationml/2006/main">
+  <p:cSld>
+    <p:spTree>
+      <p:nvGrpSpPr>
+        <p:cNvPr id="1" name=""/>
+        <p:cNvGrpSpPr/>
+        <p:nvPr/>
+      </p:nvGrpSpPr>
+      <p:grpSpPr>
+        <a:xfrm>
+          <a:off x="0" y="0"/>
+          <a:ext cx="0" cy="0"/>
+          <a:chOff x="0" y="0"/>
+          <a:chExt cx="0" cy="0"/>
+        </a:xfrm>
+      </p:grpSpPr>
+      <p:sp>
+        <p:nvSpPr>
+          <p:cNvPr id="2" name="Title 1"/>
+          <p:cNvSpPr>
+            <a:spLocks noGrp="1"/>
+          </p:cNvSpPr>
+          <p:nvPr>
+            <p:ph type="title"/>
+          </p:nvPr>
+        </p:nvSpPr>
+        <p:spPr/>
+        <p:txBody>
+          <a:bodyPr/>
+          <a:lstStyle/>
+          <a:p>
+            <a:r>
+              <a:rPr lang="en-US">
+                <a:latin typeface="Times New Roman" panose="02020603050405020304" pitchFamily="18" charset="0"/>
+                <a:cs typeface="Times New Roman" panose="02020603050405020304" pitchFamily="18" charset="0"/>
+              </a:rPr>
+              <a:t>Initialize </a:t>
+            </a:r>
+            <a:r>
+              <a:rPr lang="en-US" smtClean="0">
+                <a:latin typeface="Times New Roman" panose="02020603050405020304" pitchFamily="18" charset="0"/>
+                <a:cs typeface="Times New Roman" panose="02020603050405020304" pitchFamily="18" charset="0"/>
+              </a:rPr>
+              <a:t>Pointer (cont)</a:t>
+            </a:r>
+            <a:endParaRPr lang="en-US"/>
+          </a:p>
+        </p:txBody>
+      </p:sp>
+      <p:pic>
+        <p:nvPicPr>
+          <p:cNvPr id="4" name="Content Placeholder 4"/>
+          <p:cNvPicPr>
+            <a:picLocks noGrp="1" noChangeAspect="1"/>
+          </p:cNvPicPr>
+          <p:nvPr>
+            <p:ph idx="1"/>
+          </p:nvPr>
+        </p:nvPicPr>
+        <p:blipFill>
+          <a:blip r:embed="rId2"/>
+          <a:stretch>
+            <a:fillRect/>
+          </a:stretch>
+        </p:blipFill>
+        <p:spPr>
+          <a:xfrm>
+            <a:off x="822960" y="1793633"/>
+            <a:ext cx="7543800" cy="4227308"/>
+          </a:xfrm>
+          <a:prstGeom prst="rect">
+            <a:avLst/>
+          </a:prstGeom>
+        </p:spPr>
+      </p:pic>
+    </p:spTree>
+    <p:extLst>
+      <p:ext uri="{BB962C8B-B14F-4D97-AF65-F5344CB8AC3E}">
+        <p14:creationId xmlns:p14="http://schemas.microsoft.com/office/powerpoint/2010/main" val="999658487"/>
+      </p:ext>
+    </p:extLst>
+  </p:cSld>
+  <p:clrMapOvr>
+    <a:masterClrMapping/>
+  </p:clrMapOvr>
+</p:sld>
+</file>
+
+<file path=ppt/slides/slide9.xml><?xml version="1.0" encoding="utf-8"?>
+<p:sld xmlns:a="http://schemas.openxmlformats.org/drawingml/2006/main" xmlns:r="http://schemas.openxmlformats.org/officeDocument/2006/relationships" xmlns:p="http://schemas.openxmlformats.org/presentationml/2006/main">
+  <p:cSld>
+    <p:spTree>
+      <p:nvGrpSpPr>
+        <p:cNvPr id="1" name=""/>
+        <p:cNvGrpSpPr/>
+        <p:nvPr/>
+      </p:nvGrpSpPr>
+      <p:grpSpPr>
+        <a:xfrm>
+          <a:off x="0" y="0"/>
+          <a:ext cx="0" cy="0"/>
+          <a:chOff x="0" y="0"/>
+          <a:chExt cx="0" cy="0"/>
+        </a:xfrm>
+      </p:grpSpPr>
+      <p:sp>
+        <p:nvSpPr>
+          <p:cNvPr id="2" name="Title 1"/>
+          <p:cNvSpPr>
+            <a:spLocks noGrp="1"/>
+          </p:cNvSpPr>
+          <p:nvPr>
+            <p:ph type="title"/>
+          </p:nvPr>
+        </p:nvSpPr>
+        <p:spPr/>
+        <p:txBody>
+          <a:bodyPr/>
+          <a:lstStyle/>
+          <a:p>
+            <a:r>
+              <a:rPr lang="en-US">
+                <a:latin typeface="Times New Roman" panose="02020603050405020304" pitchFamily="18" charset="0"/>
+                <a:cs typeface="Times New Roman" panose="02020603050405020304" pitchFamily="18" charset="0"/>
+              </a:rPr>
+              <a:t>Initialize Pointer (cont)</a:t>
+            </a:r>
+            <a:endParaRPr lang="en-US"/>
+          </a:p>
+        </p:txBody>
+      </p:sp>
+      <p:pic>
+        <p:nvPicPr>
+          <p:cNvPr id="4" name="Picture 3"/>
+          <p:cNvPicPr>
+            <a:picLocks noChangeAspect="1"/>
+          </p:cNvPicPr>
+          <p:nvPr/>
+        </p:nvPicPr>
+        <p:blipFill>
+          <a:blip r:embed="rId2"/>
+          <a:stretch>
+            <a:fillRect/>
+          </a:stretch>
+        </p:blipFill>
+        <p:spPr>
+          <a:xfrm>
+            <a:off x="822961" y="1856935"/>
+            <a:ext cx="7543800" cy="4211593"/>
+          </a:xfrm>
+          <a:prstGeom prst="rect">
+            <a:avLst/>
+          </a:prstGeom>
+        </p:spPr>
+      </p:pic>
+    </p:spTree>
+    <p:extLst>
+      <p:ext uri="{BB962C8B-B14F-4D97-AF65-F5344CB8AC3E}">
+        <p14:creationId xmlns:p14="http://schemas.microsoft.com/office/powerpoint/2010/main" val="1640957846"/>
       </p:ext>
     </p:extLst>
   </p:cSld>
